--- a/slides/dailyannouncements.pptx
+++ b/slides/dailyannouncements.pptx
@@ -5,10 +5,10 @@
     <p:sldMasterId id="2147483728" r:id="rId1"/>
   </p:sldMasterIdLst>
   <p:notesMasterIdLst>
-    <p:notesMasterId r:id="rId7"/>
+    <p:notesMasterId r:id="rId9"/>
   </p:notesMasterIdLst>
   <p:handoutMasterIdLst>
-    <p:handoutMasterId r:id="rId8"/>
+    <p:handoutMasterId r:id="rId10"/>
   </p:handoutMasterIdLst>
   <p:sldIdLst>
     <p:sldId id="447" r:id="rId2"/>
@@ -16,11 +16,13 @@
     <p:sldId id="402" r:id="rId4"/>
     <p:sldId id="485" r:id="rId5"/>
     <p:sldId id="486" r:id="rId6"/>
+    <p:sldId id="487" r:id="rId7"/>
+    <p:sldId id="488" r:id="rId8"/>
   </p:sldIdLst>
   <p:sldSz cx="9144000" cy="6858000" type="screen4x3"/>
   <p:notesSz cx="7315200" cy="9601200"/>
   <p:custDataLst>
-    <p:tags r:id="rId9"/>
+    <p:tags r:id="rId11"/>
   </p:custDataLst>
   <p:defaultTextStyle>
     <a:defPPr>
@@ -1020,7 +1022,7 @@
             <a:fld id="{E4886CB5-510A-4EF6-9466-BC7A8F0DDE87}" type="datetime1">
               <a:rPr lang="en-US" smtClean="0"/>
               <a:pPr/>
-              <a:t>2/16/21</a:t>
+              <a:t>2/25/21</a:t>
             </a:fld>
             <a:endParaRPr lang="en-US"/>
           </a:p>
@@ -1380,7 +1382,7 @@
             <a:fld id="{9B297853-24B4-4D05-83E4-0AD2E86C55E5}" type="datetime1">
               <a:rPr lang="en-US" smtClean="0"/>
               <a:pPr/>
-              <a:t>2/16/21</a:t>
+              <a:t>2/25/21</a:t>
             </a:fld>
             <a:endParaRPr lang="en-US"/>
           </a:p>
@@ -1556,7 +1558,7 @@
             <a:fld id="{01FCDD9E-5768-4705-9537-0C020B1BB310}" type="datetime1">
               <a:rPr lang="en-US" smtClean="0"/>
               <a:pPr/>
-              <a:t>2/16/21</a:t>
+              <a:t>2/25/21</a:t>
             </a:fld>
             <a:endParaRPr lang="en-US"/>
           </a:p>
@@ -1792,7 +1794,7 @@
             <a:fld id="{4257C27E-59C2-41CA-9776-94955CBEE440}" type="datetime1">
               <a:rPr lang="en-US" smtClean="0"/>
               <a:pPr/>
-              <a:t>2/16/21</a:t>
+              <a:t>2/25/21</a:t>
             </a:fld>
             <a:endParaRPr lang="en-US"/>
           </a:p>
@@ -2078,7 +2080,7 @@
             <a:fld id="{03180747-A137-49C6-9C74-AB7EE86F4904}" type="datetime1">
               <a:rPr lang="en-US" smtClean="0"/>
               <a:pPr/>
-              <a:t>2/16/21</a:t>
+              <a:t>2/25/21</a:t>
             </a:fld>
             <a:endParaRPr lang="en-US"/>
           </a:p>
@@ -2299,7 +2301,7 @@
             <a:fld id="{EBBA31D9-ADC1-480D-86A8-1EAFB6A86A35}" type="datetime1">
               <a:rPr lang="en-US" smtClean="0"/>
               <a:pPr/>
-              <a:t>2/16/21</a:t>
+              <a:t>2/25/21</a:t>
             </a:fld>
             <a:endParaRPr lang="en-US"/>
           </a:p>
@@ -2652,7 +2654,7 @@
             <a:fld id="{80AAE9AE-3B2F-4DEA-8C41-BDDF4CDF6F40}" type="datetime1">
               <a:rPr lang="en-US" smtClean="0"/>
               <a:pPr/>
-              <a:t>2/16/21</a:t>
+              <a:t>2/25/21</a:t>
             </a:fld>
             <a:endParaRPr lang="en-US"/>
           </a:p>
@@ -2885,7 +2887,7 @@
             <a:fld id="{48252F7F-E8FE-413B-8521-D4ED924C6DE5}" type="datetime1">
               <a:rPr lang="en-US" smtClean="0"/>
               <a:pPr/>
-              <a:t>2/16/21</a:t>
+              <a:t>2/25/21</a:t>
             </a:fld>
             <a:endParaRPr lang="en-US"/>
           </a:p>
@@ -3027,7 +3029,7 @@
             <a:fld id="{2FF1B124-70E3-4E4A-90E2-6B55DB7659B3}" type="datetime1">
               <a:rPr lang="en-US" smtClean="0"/>
               <a:pPr/>
-              <a:t>2/16/21</a:t>
+              <a:t>2/25/21</a:t>
             </a:fld>
             <a:endParaRPr lang="en-US"/>
           </a:p>
@@ -3305,7 +3307,7 @@
             <a:fld id="{4EBF4C98-3CD6-4C87-BD40-5718C2628835}" type="datetime1">
               <a:rPr lang="en-US" smtClean="0"/>
               <a:pPr/>
-              <a:t>2/16/21</a:t>
+              <a:t>2/25/21</a:t>
             </a:fld>
             <a:endParaRPr lang="en-US"/>
           </a:p>
@@ -3713,7 +3715,7 @@
             <a:fld id="{6D6408A8-6B1B-4CDA-875E-7BEECDBA31DF}" type="datetime1">
               <a:rPr lang="en-US" smtClean="0"/>
               <a:pPr/>
-              <a:t>2/16/21</a:t>
+              <a:t>2/25/21</a:t>
             </a:fld>
             <a:endParaRPr lang="en-US"/>
           </a:p>
@@ -4051,7 +4053,7 @@
             <a:fld id="{C55AAF07-D2F5-4B3C-B443-40DE8C337A77}" type="datetime1">
               <a:rPr lang="en-US" smtClean="0"/>
               <a:pPr/>
-              <a:t>2/16/21</a:t>
+              <a:t>2/25/21</a:t>
             </a:fld>
             <a:endParaRPr lang="en-US"/>
           </a:p>
@@ -5342,7 +5344,448 @@
 </p:sld>
 </file>
 
+<file path=ppt/slides/slide6.xml><?xml version="1.0" encoding="utf-8"?>
+<p:sld xmlns:a="http://schemas.openxmlformats.org/drawingml/2006/main" xmlns:r="http://schemas.openxmlformats.org/officeDocument/2006/relationships" xmlns:p="http://schemas.openxmlformats.org/presentationml/2006/main">
+  <p:cSld>
+    <p:spTree>
+      <p:nvGrpSpPr>
+        <p:cNvPr id="1" name=""/>
+        <p:cNvGrpSpPr/>
+        <p:nvPr/>
+      </p:nvGrpSpPr>
+      <p:grpSpPr>
+        <a:xfrm>
+          <a:off x="0" y="0"/>
+          <a:ext cx="0" cy="0"/>
+          <a:chOff x="0" y="0"/>
+          <a:chExt cx="0" cy="0"/>
+        </a:xfrm>
+      </p:grpSpPr>
+      <p:sp>
+        <p:nvSpPr>
+          <p:cNvPr id="6146" name="Rectangle 2"/>
+          <p:cNvSpPr>
+            <a:spLocks noGrp="1" noChangeArrowheads="1"/>
+          </p:cNvSpPr>
+          <p:nvPr>
+            <p:ph type="title"/>
+            <p:custDataLst>
+              <p:tags r:id="rId1"/>
+            </p:custDataLst>
+          </p:nvPr>
+        </p:nvSpPr>
+        <p:spPr/>
+        <p:txBody>
+          <a:bodyPr/>
+          <a:lstStyle/>
+          <a:p>
+            <a:r>
+              <a:rPr lang="en-US" dirty="0"/>
+              <a:t>Tuesday, Feb. 23</a:t>
+            </a:r>
+          </a:p>
+        </p:txBody>
+      </p:sp>
+      <p:sp>
+        <p:nvSpPr>
+          <p:cNvPr id="6147" name="Rectangle 3"/>
+          <p:cNvSpPr>
+            <a:spLocks noGrp="1" noChangeArrowheads="1"/>
+          </p:cNvSpPr>
+          <p:nvPr>
+            <p:ph sz="quarter" idx="1"/>
+            <p:custDataLst>
+              <p:tags r:id="rId2"/>
+            </p:custDataLst>
+          </p:nvPr>
+        </p:nvSpPr>
+        <p:spPr>
+          <a:xfrm>
+            <a:off x="381000" y="1371600"/>
+            <a:ext cx="8255000" cy="5105400"/>
+          </a:xfrm>
+        </p:spPr>
+        <p:txBody>
+          <a:bodyPr>
+            <a:normAutofit fontScale="92500" lnSpcReduction="10000"/>
+          </a:bodyPr>
+          <a:lstStyle/>
+          <a:p>
+            <a:r>
+              <a:rPr lang="en-US" dirty="0" err="1"/>
+              <a:t>Gradescope</a:t>
+            </a:r>
+            <a:r>
+              <a:rPr lang="en-US" dirty="0"/>
+              <a:t> is live (link via Collab to sign up)</a:t>
+            </a:r>
+          </a:p>
+          <a:p>
+            <a:pPr lvl="1"/>
+            <a:r>
+              <a:rPr lang="en-US" dirty="0" err="1"/>
+              <a:t>hw</a:t>
+            </a:r>
+            <a:r>
+              <a:rPr lang="en-US" dirty="0"/>
+              <a:t> 1 </a:t>
+            </a:r>
+            <a:r>
+              <a:rPr lang="en-US" dirty="0" err="1"/>
+              <a:t>autograder</a:t>
+            </a:r>
+            <a:r>
+              <a:rPr lang="en-US" dirty="0"/>
+              <a:t> was messed up, should be fixed now</a:t>
+            </a:r>
+          </a:p>
+          <a:p>
+            <a:pPr lvl="1"/>
+            <a:r>
+              <a:rPr lang="en-US" dirty="0"/>
+              <a:t>Grading is a little more generous now.</a:t>
+            </a:r>
+          </a:p>
+          <a:p>
+            <a:pPr lvl="1"/>
+            <a:r>
+              <a:rPr lang="en-US" dirty="0" err="1"/>
+              <a:t>Tas</a:t>
+            </a:r>
+            <a:r>
+              <a:rPr lang="en-US" dirty="0"/>
+              <a:t> are grading non-</a:t>
+            </a:r>
+            <a:r>
+              <a:rPr lang="en-US" dirty="0" err="1"/>
+              <a:t>autograded</a:t>
+            </a:r>
+            <a:r>
+              <a:rPr lang="en-US" dirty="0"/>
+              <a:t> submissions on rolling basis</a:t>
+            </a:r>
+          </a:p>
+          <a:p>
+            <a:r>
+              <a:rPr lang="en-US" dirty="0"/>
+              <a:t>Will be sending a poll on guest lecture feedback</a:t>
+            </a:r>
+          </a:p>
+          <a:p>
+            <a:pPr lvl="1"/>
+            <a:r>
+              <a:rPr lang="en-US" dirty="0"/>
+              <a:t>Please don’t leave these mid talk. Not a good look.</a:t>
+            </a:r>
+          </a:p>
+          <a:p>
+            <a:r>
+              <a:rPr lang="en-US" dirty="0"/>
+              <a:t>OH are up and have started</a:t>
+            </a:r>
+          </a:p>
+          <a:p>
+            <a:pPr lvl="1"/>
+            <a:r>
+              <a:rPr lang="en-US" dirty="0"/>
+              <a:t>Grading office hours are for grading (wait, </a:t>
+            </a:r>
+            <a:r>
+              <a:rPr lang="en-US" dirty="0" err="1"/>
+              <a:t>whaaaat</a:t>
+            </a:r>
+            <a:r>
+              <a:rPr lang="en-US" dirty="0"/>
+              <a:t>?)</a:t>
+            </a:r>
+          </a:p>
+          <a:p>
+            <a:r>
+              <a:rPr lang="en-US" dirty="0"/>
+              <a:t>Recommended schedule is up on course website now!</a:t>
+            </a:r>
+          </a:p>
+          <a:p>
+            <a:pPr lvl="1"/>
+            <a:r>
+              <a:rPr lang="en-US" dirty="0"/>
+              <a:t>You should be working on hw1 now and finish by end of next week</a:t>
+            </a:r>
+          </a:p>
+          <a:p>
+            <a:r>
+              <a:rPr lang="en-US" dirty="0"/>
+              <a:t>My office hours are Wed. 9:15-10:45am…woo!</a:t>
+            </a:r>
+          </a:p>
+          <a:p>
+            <a:r>
+              <a:rPr lang="en-US" dirty="0"/>
+              <a:t>Today we will continue w/ graphs and also chat about hw1 hints</a:t>
+            </a:r>
+          </a:p>
+        </p:txBody>
+      </p:sp>
+      <p:sp>
+        <p:nvSpPr>
+          <p:cNvPr id="4" name="Slide Number Placeholder 3"/>
+          <p:cNvSpPr>
+            <a:spLocks noGrp="1"/>
+          </p:cNvSpPr>
+          <p:nvPr>
+            <p:ph type="sldNum" sz="quarter" idx="12"/>
+          </p:nvPr>
+        </p:nvSpPr>
+        <p:spPr/>
+        <p:txBody>
+          <a:bodyPr/>
+          <a:lstStyle/>
+          <a:p>
+            <a:fld id="{F26D9103-0C5C-48AC-B68E-3ED2C1647047}" type="slidenum">
+              <a:rPr lang="en-US" smtClean="0"/>
+              <a:pPr/>
+              <a:t>6</a:t>
+            </a:fld>
+            <a:endParaRPr lang="en-US" dirty="0"/>
+          </a:p>
+        </p:txBody>
+      </p:sp>
+    </p:spTree>
+    <p:extLst>
+      <p:ext uri="{BB962C8B-B14F-4D97-AF65-F5344CB8AC3E}">
+        <p14:creationId xmlns:p14="http://schemas.microsoft.com/office/powerpoint/2010/main" val="3168984361"/>
+      </p:ext>
+    </p:extLst>
+  </p:cSld>
+  <p:clrMapOvr>
+    <a:masterClrMapping/>
+  </p:clrMapOvr>
+</p:sld>
+</file>
+
+<file path=ppt/slides/slide7.xml><?xml version="1.0" encoding="utf-8"?>
+<p:sld xmlns:a="http://schemas.openxmlformats.org/drawingml/2006/main" xmlns:r="http://schemas.openxmlformats.org/officeDocument/2006/relationships" xmlns:p="http://schemas.openxmlformats.org/presentationml/2006/main">
+  <p:cSld>
+    <p:spTree>
+      <p:nvGrpSpPr>
+        <p:cNvPr id="1" name=""/>
+        <p:cNvGrpSpPr/>
+        <p:nvPr/>
+      </p:nvGrpSpPr>
+      <p:grpSpPr>
+        <a:xfrm>
+          <a:off x="0" y="0"/>
+          <a:ext cx="0" cy="0"/>
+          <a:chOff x="0" y="0"/>
+          <a:chExt cx="0" cy="0"/>
+        </a:xfrm>
+      </p:grpSpPr>
+      <p:sp>
+        <p:nvSpPr>
+          <p:cNvPr id="6146" name="Rectangle 2"/>
+          <p:cNvSpPr>
+            <a:spLocks noGrp="1" noChangeArrowheads="1"/>
+          </p:cNvSpPr>
+          <p:nvPr>
+            <p:ph type="title"/>
+            <p:custDataLst>
+              <p:tags r:id="rId1"/>
+            </p:custDataLst>
+          </p:nvPr>
+        </p:nvSpPr>
+        <p:spPr/>
+        <p:txBody>
+          <a:bodyPr/>
+          <a:lstStyle/>
+          <a:p>
+            <a:r>
+              <a:rPr lang="en-US" dirty="0"/>
+              <a:t>Thursday, Feb. 25</a:t>
+            </a:r>
+          </a:p>
+        </p:txBody>
+      </p:sp>
+      <p:sp>
+        <p:nvSpPr>
+          <p:cNvPr id="6147" name="Rectangle 3"/>
+          <p:cNvSpPr>
+            <a:spLocks noGrp="1" noChangeArrowheads="1"/>
+          </p:cNvSpPr>
+          <p:nvPr>
+            <p:ph sz="quarter" idx="1"/>
+            <p:custDataLst>
+              <p:tags r:id="rId2"/>
+            </p:custDataLst>
+          </p:nvPr>
+        </p:nvSpPr>
+        <p:spPr>
+          <a:xfrm>
+            <a:off x="381000" y="1371600"/>
+            <a:ext cx="8255000" cy="5105400"/>
+          </a:xfrm>
+        </p:spPr>
+        <p:txBody>
+          <a:bodyPr>
+            <a:normAutofit lnSpcReduction="10000"/>
+          </a:bodyPr>
+          <a:lstStyle/>
+          <a:p>
+            <a:r>
+              <a:rPr lang="en-US" dirty="0" err="1"/>
+              <a:t>Gradescope</a:t>
+            </a:r>
+            <a:r>
+              <a:rPr lang="en-US" dirty="0"/>
+              <a:t> is live (link via Collab to sign up)</a:t>
+            </a:r>
+          </a:p>
+          <a:p>
+            <a:pPr lvl="1"/>
+            <a:r>
+              <a:rPr lang="en-US" dirty="0"/>
+              <a:t>All caught up with grading as of today.</a:t>
+            </a:r>
+          </a:p>
+          <a:p>
+            <a:r>
+              <a:rPr lang="en-US" dirty="0"/>
+              <a:t>Will be sending a poll on guest lecture feedback</a:t>
+            </a:r>
+          </a:p>
+          <a:p>
+            <a:pPr lvl="1"/>
+            <a:r>
+              <a:rPr lang="en-US" dirty="0"/>
+              <a:t>Sorry, I’m behind on things </a:t>
+            </a:r>
+            <a:r>
+              <a:rPr lang="en-US" dirty="0">
+                <a:sym typeface="Wingdings" pitchFamily="2" charset="2"/>
+              </a:rPr>
+              <a:t></a:t>
+            </a:r>
+            <a:endParaRPr lang="en-US" dirty="0"/>
+          </a:p>
+          <a:p>
+            <a:r>
+              <a:rPr lang="en-US" dirty="0"/>
+              <a:t>OH are up and have started</a:t>
+            </a:r>
+          </a:p>
+          <a:p>
+            <a:pPr lvl="1"/>
+            <a:r>
+              <a:rPr lang="en-US" dirty="0"/>
+              <a:t>Grading office hours are for grading (wait, </a:t>
+            </a:r>
+            <a:r>
+              <a:rPr lang="en-US" dirty="0" err="1"/>
+              <a:t>whaaaat</a:t>
+            </a:r>
+            <a:r>
+              <a:rPr lang="en-US" dirty="0"/>
+              <a:t>?)</a:t>
+            </a:r>
+          </a:p>
+          <a:p>
+            <a:r>
+              <a:rPr lang="en-US" dirty="0"/>
+              <a:t>Recommended schedule is up on course website now!</a:t>
+            </a:r>
+          </a:p>
+          <a:p>
+            <a:pPr lvl="1"/>
+            <a:r>
+              <a:rPr lang="en-US" dirty="0"/>
+              <a:t>You should be working on hw1 now and finish by end of week</a:t>
+            </a:r>
+          </a:p>
+          <a:p>
+            <a:r>
+              <a:rPr lang="en-US" dirty="0"/>
+              <a:t>My office hours are Wed. 9:15-10:45am…woo!</a:t>
+            </a:r>
+          </a:p>
+          <a:p>
+            <a:pPr lvl="1"/>
+            <a:r>
+              <a:rPr lang="en-US" dirty="0"/>
+              <a:t>But I totally forgot about them…ugh</a:t>
+            </a:r>
+          </a:p>
+          <a:p>
+            <a:r>
+              <a:rPr lang="en-US" dirty="0"/>
+              <a:t>Today we will finish “classical search” and discuss A*</a:t>
+            </a:r>
+          </a:p>
+          <a:p>
+            <a:pPr lvl="1"/>
+            <a:r>
+              <a:rPr lang="en-US" dirty="0"/>
+              <a:t>You’ll be prepared to start </a:t>
+            </a:r>
+            <a:r>
+              <a:rPr lang="en-US" dirty="0" err="1"/>
+              <a:t>hw</a:t>
+            </a:r>
+            <a:r>
+              <a:rPr lang="en-US" dirty="0"/>
+              <a:t> 2 after today!!</a:t>
+            </a:r>
+          </a:p>
+        </p:txBody>
+      </p:sp>
+      <p:sp>
+        <p:nvSpPr>
+          <p:cNvPr id="4" name="Slide Number Placeholder 3"/>
+          <p:cNvSpPr>
+            <a:spLocks noGrp="1"/>
+          </p:cNvSpPr>
+          <p:nvPr>
+            <p:ph type="sldNum" sz="quarter" idx="12"/>
+          </p:nvPr>
+        </p:nvSpPr>
+        <p:spPr/>
+        <p:txBody>
+          <a:bodyPr/>
+          <a:lstStyle/>
+          <a:p>
+            <a:fld id="{F26D9103-0C5C-48AC-B68E-3ED2C1647047}" type="slidenum">
+              <a:rPr lang="en-US" smtClean="0"/>
+              <a:pPr/>
+              <a:t>7</a:t>
+            </a:fld>
+            <a:endParaRPr lang="en-US" dirty="0"/>
+          </a:p>
+        </p:txBody>
+      </p:sp>
+    </p:spTree>
+    <p:extLst>
+      <p:ext uri="{BB962C8B-B14F-4D97-AF65-F5344CB8AC3E}">
+        <p14:creationId xmlns:p14="http://schemas.microsoft.com/office/powerpoint/2010/main" val="2377766741"/>
+      </p:ext>
+    </p:extLst>
+  </p:cSld>
+  <p:clrMapOvr>
+    <a:masterClrMapping/>
+  </p:clrMapOvr>
+</p:sld>
+</file>
+
 <file path=ppt/tags/tag1.xml><?xml version="1.0" encoding="utf-8"?>
+<p:tagLst xmlns:a="http://schemas.openxmlformats.org/drawingml/2006/main" xmlns:r="http://schemas.openxmlformats.org/officeDocument/2006/relationships" xmlns:p="http://schemas.openxmlformats.org/presentationml/2006/main">
+  <p:tag name="_INSTRUCTOR VIEW19C14C36-AC8E-43BC-9DB6-C2AAF774C7DC|PANE__TAG" val="_"/>
+</p:tagLst>
+</file>
+
+<file path=ppt/tags/tag10.xml><?xml version="1.0" encoding="utf-8"?>
+<p:tagLst xmlns:a="http://schemas.openxmlformats.org/drawingml/2006/main" xmlns:r="http://schemas.openxmlformats.org/officeDocument/2006/relationships" xmlns:p="http://schemas.openxmlformats.org/presentationml/2006/main">
+  <p:tag name="_INSTRUCTOR VIEW19C14C36-AC8E-43BC-9DB6-C2AAF774C7DC|PANE__TAG" val="_"/>
+</p:tagLst>
+</file>
+
+<file path=ppt/tags/tag11.xml><?xml version="1.0" encoding="utf-8"?>
 <p:tagLst xmlns:a="http://schemas.openxmlformats.org/drawingml/2006/main" xmlns:r="http://schemas.openxmlformats.org/officeDocument/2006/relationships" xmlns:p="http://schemas.openxmlformats.org/presentationml/2006/main">
   <p:tag name="_INSTRUCTOR VIEW19C14C36-AC8E-43BC-9DB6-C2AAF774C7DC|PANE__TAG" val="_"/>
 </p:tagLst>
@@ -5379,6 +5822,18 @@
 </file>
 
 <file path=ppt/tags/tag7.xml><?xml version="1.0" encoding="utf-8"?>
+<p:tagLst xmlns:a="http://schemas.openxmlformats.org/drawingml/2006/main" xmlns:r="http://schemas.openxmlformats.org/officeDocument/2006/relationships" xmlns:p="http://schemas.openxmlformats.org/presentationml/2006/main">
+  <p:tag name="_INSTRUCTOR VIEW19C14C36-AC8E-43BC-9DB6-C2AAF774C7DC|PANE__TAG" val="_"/>
+</p:tagLst>
+</file>
+
+<file path=ppt/tags/tag8.xml><?xml version="1.0" encoding="utf-8"?>
+<p:tagLst xmlns:a="http://schemas.openxmlformats.org/drawingml/2006/main" xmlns:r="http://schemas.openxmlformats.org/officeDocument/2006/relationships" xmlns:p="http://schemas.openxmlformats.org/presentationml/2006/main">
+  <p:tag name="_INSTRUCTOR VIEW19C14C36-AC8E-43BC-9DB6-C2AAF774C7DC|PANE__TAG" val="_"/>
+</p:tagLst>
+</file>
+
+<file path=ppt/tags/tag9.xml><?xml version="1.0" encoding="utf-8"?>
 <p:tagLst xmlns:a="http://schemas.openxmlformats.org/drawingml/2006/main" xmlns:r="http://schemas.openxmlformats.org/officeDocument/2006/relationships" xmlns:p="http://schemas.openxmlformats.org/presentationml/2006/main">
   <p:tag name="_INSTRUCTOR VIEW19C14C36-AC8E-43BC-9DB6-C2AAF774C7DC|PANE__TAG" val="_"/>
 </p:tagLst>

--- a/slides/dailyannouncements.pptx
+++ b/slides/dailyannouncements.pptx
@@ -5,10 +5,10 @@
     <p:sldMasterId id="2147483728" r:id="rId1"/>
   </p:sldMasterIdLst>
   <p:notesMasterIdLst>
-    <p:notesMasterId r:id="rId9"/>
+    <p:notesMasterId r:id="rId10"/>
   </p:notesMasterIdLst>
   <p:handoutMasterIdLst>
-    <p:handoutMasterId r:id="rId10"/>
+    <p:handoutMasterId r:id="rId11"/>
   </p:handoutMasterIdLst>
   <p:sldIdLst>
     <p:sldId id="447" r:id="rId2"/>
@@ -18,11 +18,12 @@
     <p:sldId id="486" r:id="rId6"/>
     <p:sldId id="487" r:id="rId7"/>
     <p:sldId id="488" r:id="rId8"/>
+    <p:sldId id="489" r:id="rId9"/>
   </p:sldIdLst>
   <p:sldSz cx="9144000" cy="6858000" type="screen4x3"/>
   <p:notesSz cx="7315200" cy="9601200"/>
   <p:custDataLst>
-    <p:tags r:id="rId11"/>
+    <p:tags r:id="rId12"/>
   </p:custDataLst>
   <p:defaultTextStyle>
     <a:defPPr>
@@ -1022,7 +1023,7 @@
             <a:fld id="{E4886CB5-510A-4EF6-9466-BC7A8F0DDE87}" type="datetime1">
               <a:rPr lang="en-US" smtClean="0"/>
               <a:pPr/>
-              <a:t>2/25/21</a:t>
+              <a:t>3/4/21</a:t>
             </a:fld>
             <a:endParaRPr lang="en-US"/>
           </a:p>
@@ -1382,7 +1383,7 @@
             <a:fld id="{9B297853-24B4-4D05-83E4-0AD2E86C55E5}" type="datetime1">
               <a:rPr lang="en-US" smtClean="0"/>
               <a:pPr/>
-              <a:t>2/25/21</a:t>
+              <a:t>3/4/21</a:t>
             </a:fld>
             <a:endParaRPr lang="en-US"/>
           </a:p>
@@ -1558,7 +1559,7 @@
             <a:fld id="{01FCDD9E-5768-4705-9537-0C020B1BB310}" type="datetime1">
               <a:rPr lang="en-US" smtClean="0"/>
               <a:pPr/>
-              <a:t>2/25/21</a:t>
+              <a:t>3/4/21</a:t>
             </a:fld>
             <a:endParaRPr lang="en-US"/>
           </a:p>
@@ -1794,7 +1795,7 @@
             <a:fld id="{4257C27E-59C2-41CA-9776-94955CBEE440}" type="datetime1">
               <a:rPr lang="en-US" smtClean="0"/>
               <a:pPr/>
-              <a:t>2/25/21</a:t>
+              <a:t>3/4/21</a:t>
             </a:fld>
             <a:endParaRPr lang="en-US"/>
           </a:p>
@@ -2080,7 +2081,7 @@
             <a:fld id="{03180747-A137-49C6-9C74-AB7EE86F4904}" type="datetime1">
               <a:rPr lang="en-US" smtClean="0"/>
               <a:pPr/>
-              <a:t>2/25/21</a:t>
+              <a:t>3/4/21</a:t>
             </a:fld>
             <a:endParaRPr lang="en-US"/>
           </a:p>
@@ -2301,7 +2302,7 @@
             <a:fld id="{EBBA31D9-ADC1-480D-86A8-1EAFB6A86A35}" type="datetime1">
               <a:rPr lang="en-US" smtClean="0"/>
               <a:pPr/>
-              <a:t>2/25/21</a:t>
+              <a:t>3/4/21</a:t>
             </a:fld>
             <a:endParaRPr lang="en-US"/>
           </a:p>
@@ -2654,7 +2655,7 @@
             <a:fld id="{80AAE9AE-3B2F-4DEA-8C41-BDDF4CDF6F40}" type="datetime1">
               <a:rPr lang="en-US" smtClean="0"/>
               <a:pPr/>
-              <a:t>2/25/21</a:t>
+              <a:t>3/4/21</a:t>
             </a:fld>
             <a:endParaRPr lang="en-US"/>
           </a:p>
@@ -2887,7 +2888,7 @@
             <a:fld id="{48252F7F-E8FE-413B-8521-D4ED924C6DE5}" type="datetime1">
               <a:rPr lang="en-US" smtClean="0"/>
               <a:pPr/>
-              <a:t>2/25/21</a:t>
+              <a:t>3/4/21</a:t>
             </a:fld>
             <a:endParaRPr lang="en-US"/>
           </a:p>
@@ -3029,7 +3030,7 @@
             <a:fld id="{2FF1B124-70E3-4E4A-90E2-6B55DB7659B3}" type="datetime1">
               <a:rPr lang="en-US" smtClean="0"/>
               <a:pPr/>
-              <a:t>2/25/21</a:t>
+              <a:t>3/4/21</a:t>
             </a:fld>
             <a:endParaRPr lang="en-US"/>
           </a:p>
@@ -3307,7 +3308,7 @@
             <a:fld id="{4EBF4C98-3CD6-4C87-BD40-5718C2628835}" type="datetime1">
               <a:rPr lang="en-US" smtClean="0"/>
               <a:pPr/>
-              <a:t>2/25/21</a:t>
+              <a:t>3/4/21</a:t>
             </a:fld>
             <a:endParaRPr lang="en-US"/>
           </a:p>
@@ -3715,7 +3716,7 @@
             <a:fld id="{6D6408A8-6B1B-4CDA-875E-7BEECDBA31DF}" type="datetime1">
               <a:rPr lang="en-US" smtClean="0"/>
               <a:pPr/>
-              <a:t>2/25/21</a:t>
+              <a:t>3/4/21</a:t>
             </a:fld>
             <a:endParaRPr lang="en-US"/>
           </a:p>
@@ -4053,7 +4054,7 @@
             <a:fld id="{C55AAF07-D2F5-4B3C-B443-40DE8C337A77}" type="datetime1">
               <a:rPr lang="en-US" smtClean="0"/>
               <a:pPr/>
-              <a:t>2/25/21</a:t>
+              <a:t>3/4/21</a:t>
             </a:fld>
             <a:endParaRPr lang="en-US"/>
           </a:p>
@@ -5773,6 +5774,179 @@
 </p:sld>
 </file>
 
+<file path=ppt/slides/slide8.xml><?xml version="1.0" encoding="utf-8"?>
+<p:sld xmlns:a="http://schemas.openxmlformats.org/drawingml/2006/main" xmlns:r="http://schemas.openxmlformats.org/officeDocument/2006/relationships" xmlns:p="http://schemas.openxmlformats.org/presentationml/2006/main">
+  <p:cSld>
+    <p:spTree>
+      <p:nvGrpSpPr>
+        <p:cNvPr id="1" name=""/>
+        <p:cNvGrpSpPr/>
+        <p:nvPr/>
+      </p:nvGrpSpPr>
+      <p:grpSpPr>
+        <a:xfrm>
+          <a:off x="0" y="0"/>
+          <a:ext cx="0" cy="0"/>
+          <a:chOff x="0" y="0"/>
+          <a:chExt cx="0" cy="0"/>
+        </a:xfrm>
+      </p:grpSpPr>
+      <p:sp>
+        <p:nvSpPr>
+          <p:cNvPr id="6146" name="Rectangle 2"/>
+          <p:cNvSpPr>
+            <a:spLocks noGrp="1" noChangeArrowheads="1"/>
+          </p:cNvSpPr>
+          <p:nvPr>
+            <p:ph type="title"/>
+            <p:custDataLst>
+              <p:tags r:id="rId1"/>
+            </p:custDataLst>
+          </p:nvPr>
+        </p:nvSpPr>
+        <p:spPr/>
+        <p:txBody>
+          <a:bodyPr/>
+          <a:lstStyle/>
+          <a:p>
+            <a:r>
+              <a:rPr lang="en-US" dirty="0"/>
+              <a:t>Thursday, May 4</a:t>
+            </a:r>
+          </a:p>
+        </p:txBody>
+      </p:sp>
+      <p:sp>
+        <p:nvSpPr>
+          <p:cNvPr id="6147" name="Rectangle 3"/>
+          <p:cNvSpPr>
+            <a:spLocks noGrp="1" noChangeArrowheads="1"/>
+          </p:cNvSpPr>
+          <p:nvPr>
+            <p:ph sz="quarter" idx="1"/>
+            <p:custDataLst>
+              <p:tags r:id="rId2"/>
+            </p:custDataLst>
+          </p:nvPr>
+        </p:nvSpPr>
+        <p:spPr>
+          <a:xfrm>
+            <a:off x="381000" y="1371600"/>
+            <a:ext cx="8255000" cy="5105400"/>
+          </a:xfrm>
+        </p:spPr>
+        <p:txBody>
+          <a:bodyPr>
+            <a:normAutofit/>
+          </a:bodyPr>
+          <a:lstStyle/>
+          <a:p>
+            <a:r>
+              <a:rPr lang="en-US" dirty="0" err="1"/>
+              <a:t>Gradescope</a:t>
+            </a:r>
+            <a:r>
+              <a:rPr lang="en-US" dirty="0"/>
+              <a:t> is live (link via Collab to sign up)</a:t>
+            </a:r>
+          </a:p>
+          <a:p>
+            <a:pPr lvl="1"/>
+            <a:r>
+              <a:rPr lang="en-US" dirty="0"/>
+              <a:t>All caught up with grading as of today.</a:t>
+            </a:r>
+          </a:p>
+          <a:p>
+            <a:r>
+              <a:rPr lang="en-US" dirty="0"/>
+              <a:t>Thoughts on Tuesday guest lecture?</a:t>
+            </a:r>
+          </a:p>
+          <a:p>
+            <a:r>
+              <a:rPr lang="en-US" dirty="0"/>
+              <a:t>OH going ok?</a:t>
+            </a:r>
+          </a:p>
+          <a:p>
+            <a:r>
+              <a:rPr lang="en-US" dirty="0"/>
+              <a:t>Recommended schedule is up on course website now!</a:t>
+            </a:r>
+          </a:p>
+          <a:p>
+            <a:pPr lvl="1"/>
+            <a:r>
+              <a:rPr lang="en-US" dirty="0"/>
+              <a:t>You should be working on hw1 now and finish by end of week</a:t>
+            </a:r>
+          </a:p>
+          <a:p>
+            <a:r>
+              <a:rPr lang="en-US" dirty="0"/>
+              <a:t>My office hours are Wed. 9:15-10:45am…woo!</a:t>
+            </a:r>
+          </a:p>
+          <a:p>
+            <a:pPr lvl="1"/>
+            <a:r>
+              <a:rPr lang="en-US" dirty="0"/>
+              <a:t>I remembered this time!!</a:t>
+            </a:r>
+          </a:p>
+          <a:p>
+            <a:r>
+              <a:rPr lang="en-US" dirty="0"/>
+              <a:t>Today we will finish A*, discuss hw2, and maybe more</a:t>
+            </a:r>
+          </a:p>
+          <a:p>
+            <a:pPr lvl="1"/>
+            <a:r>
+              <a:rPr lang="en-US" dirty="0"/>
+              <a:t>if you have questions on hw2, we can spend some time on that</a:t>
+            </a:r>
+          </a:p>
+        </p:txBody>
+      </p:sp>
+      <p:sp>
+        <p:nvSpPr>
+          <p:cNvPr id="4" name="Slide Number Placeholder 3"/>
+          <p:cNvSpPr>
+            <a:spLocks noGrp="1"/>
+          </p:cNvSpPr>
+          <p:nvPr>
+            <p:ph type="sldNum" sz="quarter" idx="12"/>
+          </p:nvPr>
+        </p:nvSpPr>
+        <p:spPr/>
+        <p:txBody>
+          <a:bodyPr/>
+          <a:lstStyle/>
+          <a:p>
+            <a:fld id="{F26D9103-0C5C-48AC-B68E-3ED2C1647047}" type="slidenum">
+              <a:rPr lang="en-US" smtClean="0"/>
+              <a:pPr/>
+              <a:t>8</a:t>
+            </a:fld>
+            <a:endParaRPr lang="en-US" dirty="0"/>
+          </a:p>
+        </p:txBody>
+      </p:sp>
+    </p:spTree>
+    <p:extLst>
+      <p:ext uri="{BB962C8B-B14F-4D97-AF65-F5344CB8AC3E}">
+        <p14:creationId xmlns:p14="http://schemas.microsoft.com/office/powerpoint/2010/main" val="141049586"/>
+      </p:ext>
+    </p:extLst>
+  </p:cSld>
+  <p:clrMapOvr>
+    <a:masterClrMapping/>
+  </p:clrMapOvr>
+</p:sld>
+</file>
+
 <file path=ppt/tags/tag1.xml><?xml version="1.0" encoding="utf-8"?>
 <p:tagLst xmlns:a="http://schemas.openxmlformats.org/drawingml/2006/main" xmlns:r="http://schemas.openxmlformats.org/officeDocument/2006/relationships" xmlns:p="http://schemas.openxmlformats.org/presentationml/2006/main">
   <p:tag name="_INSTRUCTOR VIEW19C14C36-AC8E-43BC-9DB6-C2AAF774C7DC|PANE__TAG" val="_"/>
@@ -5786,6 +5960,18 @@
 </file>
 
 <file path=ppt/tags/tag11.xml><?xml version="1.0" encoding="utf-8"?>
+<p:tagLst xmlns:a="http://schemas.openxmlformats.org/drawingml/2006/main" xmlns:r="http://schemas.openxmlformats.org/officeDocument/2006/relationships" xmlns:p="http://schemas.openxmlformats.org/presentationml/2006/main">
+  <p:tag name="_INSTRUCTOR VIEW19C14C36-AC8E-43BC-9DB6-C2AAF774C7DC|PANE__TAG" val="_"/>
+</p:tagLst>
+</file>
+
+<file path=ppt/tags/tag12.xml><?xml version="1.0" encoding="utf-8"?>
+<p:tagLst xmlns:a="http://schemas.openxmlformats.org/drawingml/2006/main" xmlns:r="http://schemas.openxmlformats.org/officeDocument/2006/relationships" xmlns:p="http://schemas.openxmlformats.org/presentationml/2006/main">
+  <p:tag name="_INSTRUCTOR VIEW19C14C36-AC8E-43BC-9DB6-C2AAF774C7DC|PANE__TAG" val="_"/>
+</p:tagLst>
+</file>
+
+<file path=ppt/tags/tag13.xml><?xml version="1.0" encoding="utf-8"?>
 <p:tagLst xmlns:a="http://schemas.openxmlformats.org/drawingml/2006/main" xmlns:r="http://schemas.openxmlformats.org/officeDocument/2006/relationships" xmlns:p="http://schemas.openxmlformats.org/presentationml/2006/main">
   <p:tag name="_INSTRUCTOR VIEW19C14C36-AC8E-43BC-9DB6-C2AAF774C7DC|PANE__TAG" val="_"/>
 </p:tagLst>

--- a/slides/dailyannouncements.pptx
+++ b/slides/dailyannouncements.pptx
@@ -5,10 +5,10 @@
     <p:sldMasterId id="2147483728" r:id="rId1"/>
   </p:sldMasterIdLst>
   <p:notesMasterIdLst>
-    <p:notesMasterId r:id="rId10"/>
+    <p:notesMasterId r:id="rId11"/>
   </p:notesMasterIdLst>
   <p:handoutMasterIdLst>
-    <p:handoutMasterId r:id="rId11"/>
+    <p:handoutMasterId r:id="rId12"/>
   </p:handoutMasterIdLst>
   <p:sldIdLst>
     <p:sldId id="447" r:id="rId2"/>
@@ -19,11 +19,12 @@
     <p:sldId id="487" r:id="rId7"/>
     <p:sldId id="488" r:id="rId8"/>
     <p:sldId id="489" r:id="rId9"/>
+    <p:sldId id="490" r:id="rId10"/>
   </p:sldIdLst>
   <p:sldSz cx="9144000" cy="6858000" type="screen4x3"/>
   <p:notesSz cx="7315200" cy="9601200"/>
   <p:custDataLst>
-    <p:tags r:id="rId12"/>
+    <p:tags r:id="rId13"/>
   </p:custDataLst>
   <p:defaultTextStyle>
     <a:defPPr>
@@ -1023,7 +1024,7 @@
             <a:fld id="{E4886CB5-510A-4EF6-9466-BC7A8F0DDE87}" type="datetime1">
               <a:rPr lang="en-US" smtClean="0"/>
               <a:pPr/>
-              <a:t>3/4/21</a:t>
+              <a:t>3/11/21</a:t>
             </a:fld>
             <a:endParaRPr lang="en-US"/>
           </a:p>
@@ -1383,7 +1384,7 @@
             <a:fld id="{9B297853-24B4-4D05-83E4-0AD2E86C55E5}" type="datetime1">
               <a:rPr lang="en-US" smtClean="0"/>
               <a:pPr/>
-              <a:t>3/4/21</a:t>
+              <a:t>3/11/21</a:t>
             </a:fld>
             <a:endParaRPr lang="en-US"/>
           </a:p>
@@ -1559,7 +1560,7 @@
             <a:fld id="{01FCDD9E-5768-4705-9537-0C020B1BB310}" type="datetime1">
               <a:rPr lang="en-US" smtClean="0"/>
               <a:pPr/>
-              <a:t>3/4/21</a:t>
+              <a:t>3/11/21</a:t>
             </a:fld>
             <a:endParaRPr lang="en-US"/>
           </a:p>
@@ -1795,7 +1796,7 @@
             <a:fld id="{4257C27E-59C2-41CA-9776-94955CBEE440}" type="datetime1">
               <a:rPr lang="en-US" smtClean="0"/>
               <a:pPr/>
-              <a:t>3/4/21</a:t>
+              <a:t>3/11/21</a:t>
             </a:fld>
             <a:endParaRPr lang="en-US"/>
           </a:p>
@@ -2081,7 +2082,7 @@
             <a:fld id="{03180747-A137-49C6-9C74-AB7EE86F4904}" type="datetime1">
               <a:rPr lang="en-US" smtClean="0"/>
               <a:pPr/>
-              <a:t>3/4/21</a:t>
+              <a:t>3/11/21</a:t>
             </a:fld>
             <a:endParaRPr lang="en-US"/>
           </a:p>
@@ -2302,7 +2303,7 @@
             <a:fld id="{EBBA31D9-ADC1-480D-86A8-1EAFB6A86A35}" type="datetime1">
               <a:rPr lang="en-US" smtClean="0"/>
               <a:pPr/>
-              <a:t>3/4/21</a:t>
+              <a:t>3/11/21</a:t>
             </a:fld>
             <a:endParaRPr lang="en-US"/>
           </a:p>
@@ -2655,7 +2656,7 @@
             <a:fld id="{80AAE9AE-3B2F-4DEA-8C41-BDDF4CDF6F40}" type="datetime1">
               <a:rPr lang="en-US" smtClean="0"/>
               <a:pPr/>
-              <a:t>3/4/21</a:t>
+              <a:t>3/11/21</a:t>
             </a:fld>
             <a:endParaRPr lang="en-US"/>
           </a:p>
@@ -2888,7 +2889,7 @@
             <a:fld id="{48252F7F-E8FE-413B-8521-D4ED924C6DE5}" type="datetime1">
               <a:rPr lang="en-US" smtClean="0"/>
               <a:pPr/>
-              <a:t>3/4/21</a:t>
+              <a:t>3/11/21</a:t>
             </a:fld>
             <a:endParaRPr lang="en-US"/>
           </a:p>
@@ -3030,7 +3031,7 @@
             <a:fld id="{2FF1B124-70E3-4E4A-90E2-6B55DB7659B3}" type="datetime1">
               <a:rPr lang="en-US" smtClean="0"/>
               <a:pPr/>
-              <a:t>3/4/21</a:t>
+              <a:t>3/11/21</a:t>
             </a:fld>
             <a:endParaRPr lang="en-US"/>
           </a:p>
@@ -3308,7 +3309,7 @@
             <a:fld id="{4EBF4C98-3CD6-4C87-BD40-5718C2628835}" type="datetime1">
               <a:rPr lang="en-US" smtClean="0"/>
               <a:pPr/>
-              <a:t>3/4/21</a:t>
+              <a:t>3/11/21</a:t>
             </a:fld>
             <a:endParaRPr lang="en-US"/>
           </a:p>
@@ -3716,7 +3717,7 @@
             <a:fld id="{6D6408A8-6B1B-4CDA-875E-7BEECDBA31DF}" type="datetime1">
               <a:rPr lang="en-US" smtClean="0"/>
               <a:pPr/>
-              <a:t>3/4/21</a:t>
+              <a:t>3/11/21</a:t>
             </a:fld>
             <a:endParaRPr lang="en-US"/>
           </a:p>
@@ -4054,7 +4055,7 @@
             <a:fld id="{C55AAF07-D2F5-4B3C-B443-40DE8C337A77}" type="datetime1">
               <a:rPr lang="en-US" smtClean="0"/>
               <a:pPr/>
-              <a:t>3/4/21</a:t>
+              <a:t>3/11/21</a:t>
             </a:fld>
             <a:endParaRPr lang="en-US"/>
           </a:p>
@@ -5811,7 +5812,7 @@
           <a:p>
             <a:r>
               <a:rPr lang="en-US" dirty="0"/>
-              <a:t>Thursday, May 4</a:t>
+              <a:t>Thursday, March 4</a:t>
             </a:r>
           </a:p>
         </p:txBody>
@@ -5938,6 +5939,172 @@
     <p:extLst>
       <p:ext uri="{BB962C8B-B14F-4D97-AF65-F5344CB8AC3E}">
         <p14:creationId xmlns:p14="http://schemas.microsoft.com/office/powerpoint/2010/main" val="141049586"/>
+      </p:ext>
+    </p:extLst>
+  </p:cSld>
+  <p:clrMapOvr>
+    <a:masterClrMapping/>
+  </p:clrMapOvr>
+</p:sld>
+</file>
+
+<file path=ppt/slides/slide9.xml><?xml version="1.0" encoding="utf-8"?>
+<p:sld xmlns:a="http://schemas.openxmlformats.org/drawingml/2006/main" xmlns:r="http://schemas.openxmlformats.org/officeDocument/2006/relationships" xmlns:p="http://schemas.openxmlformats.org/presentationml/2006/main">
+  <p:cSld>
+    <p:spTree>
+      <p:nvGrpSpPr>
+        <p:cNvPr id="1" name=""/>
+        <p:cNvGrpSpPr/>
+        <p:nvPr/>
+      </p:nvGrpSpPr>
+      <p:grpSpPr>
+        <a:xfrm>
+          <a:off x="0" y="0"/>
+          <a:ext cx="0" cy="0"/>
+          <a:chOff x="0" y="0"/>
+          <a:chExt cx="0" cy="0"/>
+        </a:xfrm>
+      </p:grpSpPr>
+      <p:sp>
+        <p:nvSpPr>
+          <p:cNvPr id="6146" name="Rectangle 2"/>
+          <p:cNvSpPr>
+            <a:spLocks noGrp="1" noChangeArrowheads="1"/>
+          </p:cNvSpPr>
+          <p:nvPr>
+            <p:ph type="title"/>
+            <p:custDataLst>
+              <p:tags r:id="rId1"/>
+            </p:custDataLst>
+          </p:nvPr>
+        </p:nvSpPr>
+        <p:spPr/>
+        <p:txBody>
+          <a:bodyPr/>
+          <a:lstStyle/>
+          <a:p>
+            <a:r>
+              <a:rPr lang="en-US" dirty="0"/>
+              <a:t>Thursday, March 11</a:t>
+            </a:r>
+          </a:p>
+        </p:txBody>
+      </p:sp>
+      <p:sp>
+        <p:nvSpPr>
+          <p:cNvPr id="6147" name="Rectangle 3"/>
+          <p:cNvSpPr>
+            <a:spLocks noGrp="1" noChangeArrowheads="1"/>
+          </p:cNvSpPr>
+          <p:nvPr>
+            <p:ph sz="quarter" idx="1"/>
+            <p:custDataLst>
+              <p:tags r:id="rId2"/>
+            </p:custDataLst>
+          </p:nvPr>
+        </p:nvSpPr>
+        <p:spPr>
+          <a:xfrm>
+            <a:off x="381000" y="1371600"/>
+            <a:ext cx="8255000" cy="5105400"/>
+          </a:xfrm>
+        </p:spPr>
+        <p:txBody>
+          <a:bodyPr>
+            <a:normAutofit/>
+          </a:bodyPr>
+          <a:lstStyle/>
+          <a:p>
+            <a:r>
+              <a:rPr lang="en-US" dirty="0" err="1"/>
+              <a:t>Gradescope</a:t>
+            </a:r>
+            <a:r>
+              <a:rPr lang="en-US" dirty="0"/>
+              <a:t> is live (link via Collab to sign up)</a:t>
+            </a:r>
+          </a:p>
+          <a:p>
+            <a:pPr lvl="1"/>
+            <a:r>
+              <a:rPr lang="en-US" dirty="0"/>
+              <a:t>We will be grading those HW2s that have come in soon</a:t>
+            </a:r>
+          </a:p>
+          <a:p>
+            <a:r>
+              <a:rPr lang="en-US" dirty="0"/>
+              <a:t>Hope you enjoyed the break day!!</a:t>
+            </a:r>
+          </a:p>
+          <a:p>
+            <a:r>
+              <a:rPr lang="en-US" dirty="0"/>
+              <a:t>OH going ok?</a:t>
+            </a:r>
+          </a:p>
+          <a:p>
+            <a:r>
+              <a:rPr lang="en-US" dirty="0"/>
+              <a:t>Recommended schedule is up on course website now!</a:t>
+            </a:r>
+          </a:p>
+          <a:p>
+            <a:pPr lvl="1"/>
+            <a:r>
+              <a:rPr lang="en-US" dirty="0"/>
+              <a:t>You should be done (or almost done) with hw1 and working on hw2</a:t>
+            </a:r>
+          </a:p>
+          <a:p>
+            <a:r>
+              <a:rPr lang="en-US" dirty="0"/>
+              <a:t>Hard deadline for hw0-2 is next Thursday!! </a:t>
+            </a:r>
+          </a:p>
+          <a:p>
+            <a:pPr lvl="1"/>
+            <a:r>
+              <a:rPr lang="en-US" dirty="0"/>
+              <a:t>NO extensions beyond this, so don’t ask.</a:t>
+            </a:r>
+          </a:p>
+          <a:p>
+            <a:r>
+              <a:rPr lang="en-US" dirty="0"/>
+              <a:t>Today we will discuss local search / simulated annealing</a:t>
+            </a:r>
+          </a:p>
+        </p:txBody>
+      </p:sp>
+      <p:sp>
+        <p:nvSpPr>
+          <p:cNvPr id="4" name="Slide Number Placeholder 3"/>
+          <p:cNvSpPr>
+            <a:spLocks noGrp="1"/>
+          </p:cNvSpPr>
+          <p:nvPr>
+            <p:ph type="sldNum" sz="quarter" idx="12"/>
+          </p:nvPr>
+        </p:nvSpPr>
+        <p:spPr/>
+        <p:txBody>
+          <a:bodyPr/>
+          <a:lstStyle/>
+          <a:p>
+            <a:fld id="{F26D9103-0C5C-48AC-B68E-3ED2C1647047}" type="slidenum">
+              <a:rPr lang="en-US" smtClean="0"/>
+              <a:pPr/>
+              <a:t>9</a:t>
+            </a:fld>
+            <a:endParaRPr lang="en-US" dirty="0"/>
+          </a:p>
+        </p:txBody>
+      </p:sp>
+    </p:spTree>
+    <p:extLst>
+      <p:ext uri="{BB962C8B-B14F-4D97-AF65-F5344CB8AC3E}">
+        <p14:creationId xmlns:p14="http://schemas.microsoft.com/office/powerpoint/2010/main" val="3923583432"/>
       </p:ext>
     </p:extLst>
   </p:cSld>
@@ -5972,6 +6139,18 @@
 </file>
 
 <file path=ppt/tags/tag13.xml><?xml version="1.0" encoding="utf-8"?>
+<p:tagLst xmlns:a="http://schemas.openxmlformats.org/drawingml/2006/main" xmlns:r="http://schemas.openxmlformats.org/officeDocument/2006/relationships" xmlns:p="http://schemas.openxmlformats.org/presentationml/2006/main">
+  <p:tag name="_INSTRUCTOR VIEW19C14C36-AC8E-43BC-9DB6-C2AAF774C7DC|PANE__TAG" val="_"/>
+</p:tagLst>
+</file>
+
+<file path=ppt/tags/tag14.xml><?xml version="1.0" encoding="utf-8"?>
+<p:tagLst xmlns:a="http://schemas.openxmlformats.org/drawingml/2006/main" xmlns:r="http://schemas.openxmlformats.org/officeDocument/2006/relationships" xmlns:p="http://schemas.openxmlformats.org/presentationml/2006/main">
+  <p:tag name="_INSTRUCTOR VIEW19C14C36-AC8E-43BC-9DB6-C2AAF774C7DC|PANE__TAG" val="_"/>
+</p:tagLst>
+</file>
+
+<file path=ppt/tags/tag15.xml><?xml version="1.0" encoding="utf-8"?>
 <p:tagLst xmlns:a="http://schemas.openxmlformats.org/drawingml/2006/main" xmlns:r="http://schemas.openxmlformats.org/officeDocument/2006/relationships" xmlns:p="http://schemas.openxmlformats.org/presentationml/2006/main">
   <p:tag name="_INSTRUCTOR VIEW19C14C36-AC8E-43BC-9DB6-C2AAF774C7DC|PANE__TAG" val="_"/>
 </p:tagLst>

--- a/slides/dailyannouncements.pptx
+++ b/slides/dailyannouncements.pptx
@@ -5,10 +5,10 @@
     <p:sldMasterId id="2147483728" r:id="rId1"/>
   </p:sldMasterIdLst>
   <p:notesMasterIdLst>
-    <p:notesMasterId r:id="rId11"/>
+    <p:notesMasterId r:id="rId18"/>
   </p:notesMasterIdLst>
   <p:handoutMasterIdLst>
-    <p:handoutMasterId r:id="rId12"/>
+    <p:handoutMasterId r:id="rId19"/>
   </p:handoutMasterIdLst>
   <p:sldIdLst>
     <p:sldId id="447" r:id="rId2"/>
@@ -20,11 +20,18 @@
     <p:sldId id="488" r:id="rId8"/>
     <p:sldId id="489" r:id="rId9"/>
     <p:sldId id="490" r:id="rId10"/>
+    <p:sldId id="491" r:id="rId11"/>
+    <p:sldId id="492" r:id="rId12"/>
+    <p:sldId id="493" r:id="rId13"/>
+    <p:sldId id="494" r:id="rId14"/>
+    <p:sldId id="495" r:id="rId15"/>
+    <p:sldId id="496" r:id="rId16"/>
+    <p:sldId id="497" r:id="rId17"/>
   </p:sldIdLst>
   <p:sldSz cx="9144000" cy="6858000" type="screen4x3"/>
   <p:notesSz cx="7315200" cy="9601200"/>
   <p:custDataLst>
-    <p:tags r:id="rId13"/>
+    <p:tags r:id="rId20"/>
   </p:custDataLst>
   <p:defaultTextStyle>
     <a:defPPr>
@@ -1024,7 +1031,7 @@
             <a:fld id="{E4886CB5-510A-4EF6-9466-BC7A8F0DDE87}" type="datetime1">
               <a:rPr lang="en-US" smtClean="0"/>
               <a:pPr/>
-              <a:t>3/11/21</a:t>
+              <a:t>4/20/21</a:t>
             </a:fld>
             <a:endParaRPr lang="en-US"/>
           </a:p>
@@ -1384,7 +1391,7 @@
             <a:fld id="{9B297853-24B4-4D05-83E4-0AD2E86C55E5}" type="datetime1">
               <a:rPr lang="en-US" smtClean="0"/>
               <a:pPr/>
-              <a:t>3/11/21</a:t>
+              <a:t>4/20/21</a:t>
             </a:fld>
             <a:endParaRPr lang="en-US"/>
           </a:p>
@@ -1560,7 +1567,7 @@
             <a:fld id="{01FCDD9E-5768-4705-9537-0C020B1BB310}" type="datetime1">
               <a:rPr lang="en-US" smtClean="0"/>
               <a:pPr/>
-              <a:t>3/11/21</a:t>
+              <a:t>4/20/21</a:t>
             </a:fld>
             <a:endParaRPr lang="en-US"/>
           </a:p>
@@ -1796,7 +1803,7 @@
             <a:fld id="{4257C27E-59C2-41CA-9776-94955CBEE440}" type="datetime1">
               <a:rPr lang="en-US" smtClean="0"/>
               <a:pPr/>
-              <a:t>3/11/21</a:t>
+              <a:t>4/20/21</a:t>
             </a:fld>
             <a:endParaRPr lang="en-US"/>
           </a:p>
@@ -2082,7 +2089,7 @@
             <a:fld id="{03180747-A137-49C6-9C74-AB7EE86F4904}" type="datetime1">
               <a:rPr lang="en-US" smtClean="0"/>
               <a:pPr/>
-              <a:t>3/11/21</a:t>
+              <a:t>4/20/21</a:t>
             </a:fld>
             <a:endParaRPr lang="en-US"/>
           </a:p>
@@ -2303,7 +2310,7 @@
             <a:fld id="{EBBA31D9-ADC1-480D-86A8-1EAFB6A86A35}" type="datetime1">
               <a:rPr lang="en-US" smtClean="0"/>
               <a:pPr/>
-              <a:t>3/11/21</a:t>
+              <a:t>4/20/21</a:t>
             </a:fld>
             <a:endParaRPr lang="en-US"/>
           </a:p>
@@ -2656,7 +2663,7 @@
             <a:fld id="{80AAE9AE-3B2F-4DEA-8C41-BDDF4CDF6F40}" type="datetime1">
               <a:rPr lang="en-US" smtClean="0"/>
               <a:pPr/>
-              <a:t>3/11/21</a:t>
+              <a:t>4/20/21</a:t>
             </a:fld>
             <a:endParaRPr lang="en-US"/>
           </a:p>
@@ -2889,7 +2896,7 @@
             <a:fld id="{48252F7F-E8FE-413B-8521-D4ED924C6DE5}" type="datetime1">
               <a:rPr lang="en-US" smtClean="0"/>
               <a:pPr/>
-              <a:t>3/11/21</a:t>
+              <a:t>4/20/21</a:t>
             </a:fld>
             <a:endParaRPr lang="en-US"/>
           </a:p>
@@ -3031,7 +3038,7 @@
             <a:fld id="{2FF1B124-70E3-4E4A-90E2-6B55DB7659B3}" type="datetime1">
               <a:rPr lang="en-US" smtClean="0"/>
               <a:pPr/>
-              <a:t>3/11/21</a:t>
+              <a:t>4/20/21</a:t>
             </a:fld>
             <a:endParaRPr lang="en-US"/>
           </a:p>
@@ -3309,7 +3316,7 @@
             <a:fld id="{4EBF4C98-3CD6-4C87-BD40-5718C2628835}" type="datetime1">
               <a:rPr lang="en-US" smtClean="0"/>
               <a:pPr/>
-              <a:t>3/11/21</a:t>
+              <a:t>4/20/21</a:t>
             </a:fld>
             <a:endParaRPr lang="en-US"/>
           </a:p>
@@ -3717,7 +3724,7 @@
             <a:fld id="{6D6408A8-6B1B-4CDA-875E-7BEECDBA31DF}" type="datetime1">
               <a:rPr lang="en-US" smtClean="0"/>
               <a:pPr/>
-              <a:t>3/11/21</a:t>
+              <a:t>4/20/21</a:t>
             </a:fld>
             <a:endParaRPr lang="en-US"/>
           </a:p>
@@ -4055,7 +4062,7 @@
             <a:fld id="{C55AAF07-D2F5-4B3C-B443-40DE8C337A77}" type="datetime1">
               <a:rPr lang="en-US" smtClean="0"/>
               <a:pPr/>
-              <a:t>3/11/21</a:t>
+              <a:t>4/20/21</a:t>
             </a:fld>
             <a:endParaRPr lang="en-US"/>
           </a:p>
@@ -4655,6 +4662,1278 @@
 </p:sld>
 </file>
 
+<file path=ppt/slides/slide10.xml><?xml version="1.0" encoding="utf-8"?>
+<p:sld xmlns:a="http://schemas.openxmlformats.org/drawingml/2006/main" xmlns:r="http://schemas.openxmlformats.org/officeDocument/2006/relationships" xmlns:p="http://schemas.openxmlformats.org/presentationml/2006/main">
+  <p:cSld>
+    <p:spTree>
+      <p:nvGrpSpPr>
+        <p:cNvPr id="1" name=""/>
+        <p:cNvGrpSpPr/>
+        <p:nvPr/>
+      </p:nvGrpSpPr>
+      <p:grpSpPr>
+        <a:xfrm>
+          <a:off x="0" y="0"/>
+          <a:ext cx="0" cy="0"/>
+          <a:chOff x="0" y="0"/>
+          <a:chExt cx="0" cy="0"/>
+        </a:xfrm>
+      </p:grpSpPr>
+      <p:sp>
+        <p:nvSpPr>
+          <p:cNvPr id="6146" name="Rectangle 2"/>
+          <p:cNvSpPr>
+            <a:spLocks noGrp="1" noChangeArrowheads="1"/>
+          </p:cNvSpPr>
+          <p:nvPr>
+            <p:ph type="title"/>
+            <p:custDataLst>
+              <p:tags r:id="rId1"/>
+            </p:custDataLst>
+          </p:nvPr>
+        </p:nvSpPr>
+        <p:spPr/>
+        <p:txBody>
+          <a:bodyPr/>
+          <a:lstStyle/>
+          <a:p>
+            <a:r>
+              <a:rPr lang="en-US" dirty="0"/>
+              <a:t>Tuesday, March 16</a:t>
+            </a:r>
+          </a:p>
+        </p:txBody>
+      </p:sp>
+      <p:sp>
+        <p:nvSpPr>
+          <p:cNvPr id="6147" name="Rectangle 3"/>
+          <p:cNvSpPr>
+            <a:spLocks noGrp="1" noChangeArrowheads="1"/>
+          </p:cNvSpPr>
+          <p:nvPr>
+            <p:ph sz="quarter" idx="1"/>
+            <p:custDataLst>
+              <p:tags r:id="rId2"/>
+            </p:custDataLst>
+          </p:nvPr>
+        </p:nvSpPr>
+        <p:spPr>
+          <a:xfrm>
+            <a:off x="381000" y="1371600"/>
+            <a:ext cx="8255000" cy="5105400"/>
+          </a:xfrm>
+        </p:spPr>
+        <p:txBody>
+          <a:bodyPr>
+            <a:normAutofit/>
+          </a:bodyPr>
+          <a:lstStyle/>
+          <a:p>
+            <a:r>
+              <a:rPr lang="en-US" dirty="0" err="1"/>
+              <a:t>Gradescope</a:t>
+            </a:r>
+            <a:r>
+              <a:rPr lang="en-US" dirty="0"/>
+              <a:t> is live (link via Collab to sign up)</a:t>
+            </a:r>
+          </a:p>
+          <a:p>
+            <a:pPr lvl="1"/>
+            <a:r>
+              <a:rPr lang="en-US" dirty="0"/>
+              <a:t>I believe grading is all caught up.</a:t>
+            </a:r>
+          </a:p>
+          <a:p>
+            <a:r>
+              <a:rPr lang="en-US" dirty="0"/>
+              <a:t>HW 2 ping requirements were relaxed</a:t>
+            </a:r>
+          </a:p>
+          <a:p>
+            <a:r>
+              <a:rPr lang="en-US" dirty="0"/>
+              <a:t>OH going ok?</a:t>
+            </a:r>
+          </a:p>
+          <a:p>
+            <a:r>
+              <a:rPr lang="en-US" dirty="0"/>
+              <a:t>Recommended schedule is up on course website now!</a:t>
+            </a:r>
+          </a:p>
+          <a:p>
+            <a:pPr lvl="1"/>
+            <a:r>
+              <a:rPr lang="en-US" dirty="0"/>
+              <a:t>You should be done (or almost done) with hw1 and working on hw2</a:t>
+            </a:r>
+          </a:p>
+          <a:p>
+            <a:r>
+              <a:rPr lang="en-US" dirty="0"/>
+              <a:t>Hard deadline for hw0-2 is Tomorrow!! </a:t>
+            </a:r>
+          </a:p>
+          <a:p>
+            <a:pPr lvl="1"/>
+            <a:r>
+              <a:rPr lang="en-US" dirty="0"/>
+              <a:t>NO extensions beyond this, so don’t ask.</a:t>
+            </a:r>
+          </a:p>
+          <a:p>
+            <a:r>
+              <a:rPr lang="en-US" dirty="0"/>
+              <a:t>Today we will discuss local search / genetic algorithms</a:t>
+            </a:r>
+          </a:p>
+        </p:txBody>
+      </p:sp>
+      <p:sp>
+        <p:nvSpPr>
+          <p:cNvPr id="4" name="Slide Number Placeholder 3"/>
+          <p:cNvSpPr>
+            <a:spLocks noGrp="1"/>
+          </p:cNvSpPr>
+          <p:nvPr>
+            <p:ph type="sldNum" sz="quarter" idx="12"/>
+          </p:nvPr>
+        </p:nvSpPr>
+        <p:spPr/>
+        <p:txBody>
+          <a:bodyPr/>
+          <a:lstStyle/>
+          <a:p>
+            <a:fld id="{F26D9103-0C5C-48AC-B68E-3ED2C1647047}" type="slidenum">
+              <a:rPr lang="en-US" smtClean="0"/>
+              <a:pPr/>
+              <a:t>10</a:t>
+            </a:fld>
+            <a:endParaRPr lang="en-US" dirty="0"/>
+          </a:p>
+        </p:txBody>
+      </p:sp>
+    </p:spTree>
+    <p:extLst>
+      <p:ext uri="{BB962C8B-B14F-4D97-AF65-F5344CB8AC3E}">
+        <p14:creationId xmlns:p14="http://schemas.microsoft.com/office/powerpoint/2010/main" val="3936433049"/>
+      </p:ext>
+    </p:extLst>
+  </p:cSld>
+  <p:clrMapOvr>
+    <a:masterClrMapping/>
+  </p:clrMapOvr>
+</p:sld>
+</file>
+
+<file path=ppt/slides/slide11.xml><?xml version="1.0" encoding="utf-8"?>
+<p:sld xmlns:a="http://schemas.openxmlformats.org/drawingml/2006/main" xmlns:r="http://schemas.openxmlformats.org/officeDocument/2006/relationships" xmlns:p="http://schemas.openxmlformats.org/presentationml/2006/main">
+  <p:cSld>
+    <p:spTree>
+      <p:nvGrpSpPr>
+        <p:cNvPr id="1" name=""/>
+        <p:cNvGrpSpPr/>
+        <p:nvPr/>
+      </p:nvGrpSpPr>
+      <p:grpSpPr>
+        <a:xfrm>
+          <a:off x="0" y="0"/>
+          <a:ext cx="0" cy="0"/>
+          <a:chOff x="0" y="0"/>
+          <a:chExt cx="0" cy="0"/>
+        </a:xfrm>
+      </p:grpSpPr>
+      <p:sp>
+        <p:nvSpPr>
+          <p:cNvPr id="6146" name="Rectangle 2"/>
+          <p:cNvSpPr>
+            <a:spLocks noGrp="1" noChangeArrowheads="1"/>
+          </p:cNvSpPr>
+          <p:nvPr>
+            <p:ph type="title"/>
+            <p:custDataLst>
+              <p:tags r:id="rId1"/>
+            </p:custDataLst>
+          </p:nvPr>
+        </p:nvSpPr>
+        <p:spPr/>
+        <p:txBody>
+          <a:bodyPr/>
+          <a:lstStyle/>
+          <a:p>
+            <a:r>
+              <a:rPr lang="en-US" dirty="0"/>
+              <a:t>Thursday, March 18</a:t>
+            </a:r>
+          </a:p>
+        </p:txBody>
+      </p:sp>
+      <p:sp>
+        <p:nvSpPr>
+          <p:cNvPr id="6147" name="Rectangle 3"/>
+          <p:cNvSpPr>
+            <a:spLocks noGrp="1" noChangeArrowheads="1"/>
+          </p:cNvSpPr>
+          <p:nvPr>
+            <p:ph sz="quarter" idx="1"/>
+            <p:custDataLst>
+              <p:tags r:id="rId2"/>
+            </p:custDataLst>
+          </p:nvPr>
+        </p:nvSpPr>
+        <p:spPr>
+          <a:xfrm>
+            <a:off x="381000" y="1371600"/>
+            <a:ext cx="8255000" cy="5105400"/>
+          </a:xfrm>
+        </p:spPr>
+        <p:txBody>
+          <a:bodyPr>
+            <a:normAutofit/>
+          </a:bodyPr>
+          <a:lstStyle/>
+          <a:p>
+            <a:r>
+              <a:rPr lang="en-US" dirty="0" err="1"/>
+              <a:t>Gradescope</a:t>
+            </a:r>
+            <a:r>
+              <a:rPr lang="en-US" dirty="0"/>
+              <a:t> is live (link via Collab to sign up)</a:t>
+            </a:r>
+          </a:p>
+          <a:p>
+            <a:pPr lvl="1"/>
+            <a:r>
+              <a:rPr lang="en-US" dirty="0"/>
+              <a:t>I believe grading is all caught up.</a:t>
+            </a:r>
+          </a:p>
+          <a:p>
+            <a:r>
+              <a:rPr lang="en-US" dirty="0"/>
+              <a:t>HW 2 ping requirements were relaxed</a:t>
+            </a:r>
+          </a:p>
+          <a:p>
+            <a:r>
+              <a:rPr lang="en-US" dirty="0"/>
+              <a:t>OH going ok?</a:t>
+            </a:r>
+          </a:p>
+          <a:p>
+            <a:r>
+              <a:rPr lang="en-US" dirty="0"/>
+              <a:t>Recommended schedule is up on course website now!</a:t>
+            </a:r>
+          </a:p>
+          <a:p>
+            <a:pPr lvl="1"/>
+            <a:r>
+              <a:rPr lang="en-US" dirty="0"/>
+              <a:t>You should be done (or almost done) with hw1 and working on hw2</a:t>
+            </a:r>
+          </a:p>
+          <a:p>
+            <a:r>
+              <a:rPr lang="en-US" dirty="0"/>
+              <a:t>Hard deadline for hw0-2 is Tonight!! </a:t>
+            </a:r>
+          </a:p>
+          <a:p>
+            <a:pPr lvl="1"/>
+            <a:r>
+              <a:rPr lang="en-US" dirty="0"/>
+              <a:t>NO extensions beyond this, so don’t ask.</a:t>
+            </a:r>
+          </a:p>
+          <a:p>
+            <a:r>
+              <a:rPr lang="en-US" dirty="0"/>
+              <a:t>Today we will discuss game playing</a:t>
+            </a:r>
+          </a:p>
+        </p:txBody>
+      </p:sp>
+      <p:sp>
+        <p:nvSpPr>
+          <p:cNvPr id="4" name="Slide Number Placeholder 3"/>
+          <p:cNvSpPr>
+            <a:spLocks noGrp="1"/>
+          </p:cNvSpPr>
+          <p:nvPr>
+            <p:ph type="sldNum" sz="quarter" idx="12"/>
+          </p:nvPr>
+        </p:nvSpPr>
+        <p:spPr/>
+        <p:txBody>
+          <a:bodyPr/>
+          <a:lstStyle/>
+          <a:p>
+            <a:fld id="{F26D9103-0C5C-48AC-B68E-3ED2C1647047}" type="slidenum">
+              <a:rPr lang="en-US" smtClean="0"/>
+              <a:pPr/>
+              <a:t>11</a:t>
+            </a:fld>
+            <a:endParaRPr lang="en-US" dirty="0"/>
+          </a:p>
+        </p:txBody>
+      </p:sp>
+    </p:spTree>
+    <p:extLst>
+      <p:ext uri="{BB962C8B-B14F-4D97-AF65-F5344CB8AC3E}">
+        <p14:creationId xmlns:p14="http://schemas.microsoft.com/office/powerpoint/2010/main" val="504426752"/>
+      </p:ext>
+    </p:extLst>
+  </p:cSld>
+  <p:clrMapOvr>
+    <a:masterClrMapping/>
+  </p:clrMapOvr>
+</p:sld>
+</file>
+
+<file path=ppt/slides/slide12.xml><?xml version="1.0" encoding="utf-8"?>
+<p:sld xmlns:a="http://schemas.openxmlformats.org/drawingml/2006/main" xmlns:r="http://schemas.openxmlformats.org/officeDocument/2006/relationships" xmlns:p="http://schemas.openxmlformats.org/presentationml/2006/main">
+  <p:cSld>
+    <p:spTree>
+      <p:nvGrpSpPr>
+        <p:cNvPr id="1" name=""/>
+        <p:cNvGrpSpPr/>
+        <p:nvPr/>
+      </p:nvGrpSpPr>
+      <p:grpSpPr>
+        <a:xfrm>
+          <a:off x="0" y="0"/>
+          <a:ext cx="0" cy="0"/>
+          <a:chOff x="0" y="0"/>
+          <a:chExt cx="0" cy="0"/>
+        </a:xfrm>
+      </p:grpSpPr>
+      <p:sp>
+        <p:nvSpPr>
+          <p:cNvPr id="6146" name="Rectangle 2"/>
+          <p:cNvSpPr>
+            <a:spLocks noGrp="1" noChangeArrowheads="1"/>
+          </p:cNvSpPr>
+          <p:nvPr>
+            <p:ph type="title"/>
+            <p:custDataLst>
+              <p:tags r:id="rId1"/>
+            </p:custDataLst>
+          </p:nvPr>
+        </p:nvSpPr>
+        <p:spPr/>
+        <p:txBody>
+          <a:bodyPr/>
+          <a:lstStyle/>
+          <a:p>
+            <a:r>
+              <a:rPr lang="en-US" dirty="0"/>
+              <a:t>Tuesday, March 23</a:t>
+            </a:r>
+          </a:p>
+        </p:txBody>
+      </p:sp>
+      <p:sp>
+        <p:nvSpPr>
+          <p:cNvPr id="6147" name="Rectangle 3"/>
+          <p:cNvSpPr>
+            <a:spLocks noGrp="1" noChangeArrowheads="1"/>
+          </p:cNvSpPr>
+          <p:nvPr>
+            <p:ph sz="quarter" idx="1"/>
+            <p:custDataLst>
+              <p:tags r:id="rId2"/>
+            </p:custDataLst>
+          </p:nvPr>
+        </p:nvSpPr>
+        <p:spPr>
+          <a:xfrm>
+            <a:off x="381000" y="1371600"/>
+            <a:ext cx="8255000" cy="5105400"/>
+          </a:xfrm>
+        </p:spPr>
+        <p:txBody>
+          <a:bodyPr>
+            <a:normAutofit/>
+          </a:bodyPr>
+          <a:lstStyle/>
+          <a:p>
+            <a:r>
+              <a:rPr lang="en-US" dirty="0" err="1"/>
+              <a:t>Gradescope</a:t>
+            </a:r>
+            <a:r>
+              <a:rPr lang="en-US" dirty="0"/>
+              <a:t> is live (link via Collab to sign up)</a:t>
+            </a:r>
+          </a:p>
+          <a:p>
+            <a:pPr lvl="1"/>
+            <a:r>
+              <a:rPr lang="en-US" dirty="0"/>
+              <a:t>I believe grading is all caught up.</a:t>
+            </a:r>
+          </a:p>
+          <a:p>
+            <a:r>
+              <a:rPr lang="en-US" dirty="0"/>
+              <a:t>Hard deadline for </a:t>
+            </a:r>
+            <a:r>
+              <a:rPr lang="en-US" dirty="0" err="1"/>
+              <a:t>hws</a:t>
+            </a:r>
+            <a:r>
+              <a:rPr lang="en-US" dirty="0"/>
+              <a:t> 0–2 has passed. </a:t>
+            </a:r>
+          </a:p>
+          <a:p>
+            <a:r>
+              <a:rPr lang="en-US" dirty="0"/>
+              <a:t>OH going ok?</a:t>
+            </a:r>
+          </a:p>
+          <a:p>
+            <a:r>
+              <a:rPr lang="en-US" dirty="0"/>
+              <a:t>Recommended schedule is up on course website now!</a:t>
+            </a:r>
+          </a:p>
+          <a:p>
+            <a:pPr lvl="1"/>
+            <a:r>
+              <a:rPr lang="en-US" dirty="0"/>
+              <a:t>You should be studying for quizzes now! </a:t>
+            </a:r>
+          </a:p>
+          <a:p>
+            <a:pPr lvl="1"/>
+            <a:r>
+              <a:rPr lang="en-US" dirty="0"/>
+              <a:t>No need to start hw3 yet, we aren’t far enough in lecture</a:t>
+            </a:r>
+          </a:p>
+          <a:p>
+            <a:pPr lvl="1"/>
+            <a:r>
+              <a:rPr lang="en-US" dirty="0"/>
+              <a:t>If you want to look at it though, that is fine.</a:t>
+            </a:r>
+          </a:p>
+          <a:p>
+            <a:r>
+              <a:rPr lang="en-US" dirty="0"/>
+              <a:t>First quiz is end of this week!</a:t>
+            </a:r>
+          </a:p>
+          <a:p>
+            <a:pPr lvl="1"/>
+            <a:r>
+              <a:rPr lang="en-US" dirty="0"/>
+              <a:t>It will be on </a:t>
+            </a:r>
+            <a:r>
+              <a:rPr lang="en-US" dirty="0" err="1"/>
+              <a:t>Gradescope</a:t>
+            </a:r>
+            <a:r>
+              <a:rPr lang="en-US" dirty="0"/>
+              <a:t> (going to try their quizzing tool)</a:t>
+            </a:r>
+          </a:p>
+          <a:p>
+            <a:r>
+              <a:rPr lang="en-US" dirty="0"/>
+              <a:t>Today we will discuss probability and Bayesian networks</a:t>
+            </a:r>
+          </a:p>
+        </p:txBody>
+      </p:sp>
+      <p:sp>
+        <p:nvSpPr>
+          <p:cNvPr id="4" name="Slide Number Placeholder 3"/>
+          <p:cNvSpPr>
+            <a:spLocks noGrp="1"/>
+          </p:cNvSpPr>
+          <p:nvPr>
+            <p:ph type="sldNum" sz="quarter" idx="12"/>
+          </p:nvPr>
+        </p:nvSpPr>
+        <p:spPr/>
+        <p:txBody>
+          <a:bodyPr/>
+          <a:lstStyle/>
+          <a:p>
+            <a:fld id="{F26D9103-0C5C-48AC-B68E-3ED2C1647047}" type="slidenum">
+              <a:rPr lang="en-US" smtClean="0"/>
+              <a:pPr/>
+              <a:t>12</a:t>
+            </a:fld>
+            <a:endParaRPr lang="en-US" dirty="0"/>
+          </a:p>
+        </p:txBody>
+      </p:sp>
+    </p:spTree>
+    <p:extLst>
+      <p:ext uri="{BB962C8B-B14F-4D97-AF65-F5344CB8AC3E}">
+        <p14:creationId xmlns:p14="http://schemas.microsoft.com/office/powerpoint/2010/main" val="4164881540"/>
+      </p:ext>
+    </p:extLst>
+  </p:cSld>
+  <p:clrMapOvr>
+    <a:masterClrMapping/>
+  </p:clrMapOvr>
+</p:sld>
+</file>
+
+<file path=ppt/slides/slide13.xml><?xml version="1.0" encoding="utf-8"?>
+<p:sld xmlns:a="http://schemas.openxmlformats.org/drawingml/2006/main" xmlns:r="http://schemas.openxmlformats.org/officeDocument/2006/relationships" xmlns:p="http://schemas.openxmlformats.org/presentationml/2006/main">
+  <p:cSld>
+    <p:spTree>
+      <p:nvGrpSpPr>
+        <p:cNvPr id="1" name=""/>
+        <p:cNvGrpSpPr/>
+        <p:nvPr/>
+      </p:nvGrpSpPr>
+      <p:grpSpPr>
+        <a:xfrm>
+          <a:off x="0" y="0"/>
+          <a:ext cx="0" cy="0"/>
+          <a:chOff x="0" y="0"/>
+          <a:chExt cx="0" cy="0"/>
+        </a:xfrm>
+      </p:grpSpPr>
+      <p:sp>
+        <p:nvSpPr>
+          <p:cNvPr id="6146" name="Rectangle 2"/>
+          <p:cNvSpPr>
+            <a:spLocks noGrp="1" noChangeArrowheads="1"/>
+          </p:cNvSpPr>
+          <p:nvPr>
+            <p:ph type="title"/>
+            <p:custDataLst>
+              <p:tags r:id="rId1"/>
+            </p:custDataLst>
+          </p:nvPr>
+        </p:nvSpPr>
+        <p:spPr/>
+        <p:txBody>
+          <a:bodyPr/>
+          <a:lstStyle/>
+          <a:p>
+            <a:r>
+              <a:rPr lang="en-US" dirty="0"/>
+              <a:t>Thursday, March 25</a:t>
+            </a:r>
+          </a:p>
+        </p:txBody>
+      </p:sp>
+      <p:sp>
+        <p:nvSpPr>
+          <p:cNvPr id="6147" name="Rectangle 3"/>
+          <p:cNvSpPr>
+            <a:spLocks noGrp="1" noChangeArrowheads="1"/>
+          </p:cNvSpPr>
+          <p:nvPr>
+            <p:ph sz="quarter" idx="1"/>
+            <p:custDataLst>
+              <p:tags r:id="rId2"/>
+            </p:custDataLst>
+          </p:nvPr>
+        </p:nvSpPr>
+        <p:spPr>
+          <a:xfrm>
+            <a:off x="381000" y="1371600"/>
+            <a:ext cx="8255000" cy="5105400"/>
+          </a:xfrm>
+        </p:spPr>
+        <p:txBody>
+          <a:bodyPr>
+            <a:normAutofit/>
+          </a:bodyPr>
+          <a:lstStyle/>
+          <a:p>
+            <a:r>
+              <a:rPr lang="en-US" dirty="0" err="1"/>
+              <a:t>Gradescope</a:t>
+            </a:r>
+            <a:r>
+              <a:rPr lang="en-US" dirty="0"/>
+              <a:t> is live (link via Collab to sign up)</a:t>
+            </a:r>
+          </a:p>
+          <a:p>
+            <a:pPr lvl="1"/>
+            <a:r>
+              <a:rPr lang="en-US" dirty="0"/>
+              <a:t>I believe grading is all caught up.</a:t>
+            </a:r>
+          </a:p>
+          <a:p>
+            <a:r>
+              <a:rPr lang="en-US" dirty="0"/>
+              <a:t>Hard deadline for </a:t>
+            </a:r>
+            <a:r>
+              <a:rPr lang="en-US" dirty="0" err="1"/>
+              <a:t>hws</a:t>
+            </a:r>
+            <a:r>
+              <a:rPr lang="en-US" dirty="0"/>
+              <a:t> 0–2 has passed. </a:t>
+            </a:r>
+          </a:p>
+          <a:p>
+            <a:r>
+              <a:rPr lang="en-US" dirty="0"/>
+              <a:t>OH going ok?</a:t>
+            </a:r>
+          </a:p>
+          <a:p>
+            <a:r>
+              <a:rPr lang="en-US" dirty="0"/>
+              <a:t>Recommended schedule is up on course website now!</a:t>
+            </a:r>
+          </a:p>
+          <a:p>
+            <a:pPr lvl="1"/>
+            <a:r>
+              <a:rPr lang="en-US" dirty="0"/>
+              <a:t>You should be studying for quizzes now! </a:t>
+            </a:r>
+          </a:p>
+          <a:p>
+            <a:pPr lvl="1"/>
+            <a:r>
+              <a:rPr lang="en-US" dirty="0"/>
+              <a:t>No need to start hw3 yet, we aren’t far enough in lecture</a:t>
+            </a:r>
+          </a:p>
+          <a:p>
+            <a:pPr lvl="1"/>
+            <a:r>
+              <a:rPr lang="en-US" dirty="0"/>
+              <a:t>If you want to look at it though, that is fine.</a:t>
+            </a:r>
+          </a:p>
+          <a:p>
+            <a:r>
+              <a:rPr lang="en-US" dirty="0"/>
+              <a:t>First quiz is today!</a:t>
+            </a:r>
+          </a:p>
+          <a:p>
+            <a:pPr lvl="1"/>
+            <a:r>
+              <a:rPr lang="en-US" dirty="0"/>
+              <a:t>It will be on </a:t>
+            </a:r>
+            <a:r>
+              <a:rPr lang="en-US" dirty="0" err="1"/>
+              <a:t>Gradescope</a:t>
+            </a:r>
+            <a:r>
+              <a:rPr lang="en-US" dirty="0"/>
+              <a:t> (going to try their quizzing tool)</a:t>
+            </a:r>
+          </a:p>
+          <a:p>
+            <a:r>
+              <a:rPr lang="en-US" dirty="0"/>
+              <a:t>Today we will discuss probability and Bayesian networks</a:t>
+            </a:r>
+          </a:p>
+        </p:txBody>
+      </p:sp>
+      <p:sp>
+        <p:nvSpPr>
+          <p:cNvPr id="4" name="Slide Number Placeholder 3"/>
+          <p:cNvSpPr>
+            <a:spLocks noGrp="1"/>
+          </p:cNvSpPr>
+          <p:nvPr>
+            <p:ph type="sldNum" sz="quarter" idx="12"/>
+          </p:nvPr>
+        </p:nvSpPr>
+        <p:spPr/>
+        <p:txBody>
+          <a:bodyPr/>
+          <a:lstStyle/>
+          <a:p>
+            <a:fld id="{F26D9103-0C5C-48AC-B68E-3ED2C1647047}" type="slidenum">
+              <a:rPr lang="en-US" smtClean="0"/>
+              <a:pPr/>
+              <a:t>13</a:t>
+            </a:fld>
+            <a:endParaRPr lang="en-US" dirty="0"/>
+          </a:p>
+        </p:txBody>
+      </p:sp>
+    </p:spTree>
+    <p:extLst>
+      <p:ext uri="{BB962C8B-B14F-4D97-AF65-F5344CB8AC3E}">
+        <p14:creationId xmlns:p14="http://schemas.microsoft.com/office/powerpoint/2010/main" val="2661075968"/>
+      </p:ext>
+    </p:extLst>
+  </p:cSld>
+  <p:clrMapOvr>
+    <a:masterClrMapping/>
+  </p:clrMapOvr>
+</p:sld>
+</file>
+
+<file path=ppt/slides/slide14.xml><?xml version="1.0" encoding="utf-8"?>
+<p:sld xmlns:a="http://schemas.openxmlformats.org/drawingml/2006/main" xmlns:r="http://schemas.openxmlformats.org/officeDocument/2006/relationships" xmlns:p="http://schemas.openxmlformats.org/presentationml/2006/main">
+  <p:cSld>
+    <p:spTree>
+      <p:nvGrpSpPr>
+        <p:cNvPr id="1" name=""/>
+        <p:cNvGrpSpPr/>
+        <p:nvPr/>
+      </p:nvGrpSpPr>
+      <p:grpSpPr>
+        <a:xfrm>
+          <a:off x="0" y="0"/>
+          <a:ext cx="0" cy="0"/>
+          <a:chOff x="0" y="0"/>
+          <a:chExt cx="0" cy="0"/>
+        </a:xfrm>
+      </p:grpSpPr>
+      <p:sp>
+        <p:nvSpPr>
+          <p:cNvPr id="6146" name="Rectangle 2"/>
+          <p:cNvSpPr>
+            <a:spLocks noGrp="1" noChangeArrowheads="1"/>
+          </p:cNvSpPr>
+          <p:nvPr>
+            <p:ph type="title"/>
+            <p:custDataLst>
+              <p:tags r:id="rId1"/>
+            </p:custDataLst>
+          </p:nvPr>
+        </p:nvSpPr>
+        <p:spPr/>
+        <p:txBody>
+          <a:bodyPr/>
+          <a:lstStyle/>
+          <a:p>
+            <a:r>
+              <a:rPr lang="en-US" dirty="0"/>
+              <a:t>Tuesday, March 30</a:t>
+            </a:r>
+          </a:p>
+        </p:txBody>
+      </p:sp>
+      <p:sp>
+        <p:nvSpPr>
+          <p:cNvPr id="6147" name="Rectangle 3"/>
+          <p:cNvSpPr>
+            <a:spLocks noGrp="1" noChangeArrowheads="1"/>
+          </p:cNvSpPr>
+          <p:nvPr>
+            <p:ph sz="quarter" idx="1"/>
+            <p:custDataLst>
+              <p:tags r:id="rId2"/>
+            </p:custDataLst>
+          </p:nvPr>
+        </p:nvSpPr>
+        <p:spPr>
+          <a:xfrm>
+            <a:off x="381000" y="1371600"/>
+            <a:ext cx="8255000" cy="5105400"/>
+          </a:xfrm>
+        </p:spPr>
+        <p:txBody>
+          <a:bodyPr>
+            <a:normAutofit fontScale="92500"/>
+          </a:bodyPr>
+          <a:lstStyle/>
+          <a:p>
+            <a:r>
+              <a:rPr lang="en-US" dirty="0"/>
+              <a:t>Grading is still caught up I believe</a:t>
+            </a:r>
+          </a:p>
+          <a:p>
+            <a:r>
+              <a:rPr lang="en-US" dirty="0"/>
+              <a:t>Hard deadline for </a:t>
+            </a:r>
+            <a:r>
+              <a:rPr lang="en-US" dirty="0" err="1"/>
+              <a:t>hws</a:t>
+            </a:r>
+            <a:r>
+              <a:rPr lang="en-US" dirty="0"/>
+              <a:t> 0–2 has passed. </a:t>
+            </a:r>
+          </a:p>
+          <a:p>
+            <a:r>
+              <a:rPr lang="en-US" dirty="0"/>
+              <a:t>First quiz is done. You all did very well.</a:t>
+            </a:r>
+          </a:p>
+          <a:p>
+            <a:pPr lvl="1"/>
+            <a:r>
+              <a:rPr lang="en-US" dirty="0"/>
+              <a:t>7/10 = competency		9/10 = mastery</a:t>
+            </a:r>
+          </a:p>
+          <a:p>
+            <a:pPr lvl="1"/>
+            <a:r>
+              <a:rPr lang="en-US" dirty="0"/>
+              <a:t>Some discussion on Discord about it but not continuing that now</a:t>
+            </a:r>
+          </a:p>
+          <a:p>
+            <a:r>
+              <a:rPr lang="en-US" dirty="0"/>
+              <a:t>Redo local search quiz + game playing quiz this week</a:t>
+            </a:r>
+          </a:p>
+          <a:p>
+            <a:pPr lvl="1"/>
+            <a:r>
+              <a:rPr lang="en-US" dirty="0"/>
+              <a:t>Thursday – Friday just like last week.</a:t>
+            </a:r>
+          </a:p>
+          <a:p>
+            <a:r>
+              <a:rPr lang="en-US" dirty="0"/>
+              <a:t>Recommended schedule is up on course website now!</a:t>
+            </a:r>
+          </a:p>
+          <a:p>
+            <a:pPr lvl="1"/>
+            <a:r>
+              <a:rPr lang="en-US" dirty="0"/>
+              <a:t>You should be studying for quizzes now! </a:t>
+            </a:r>
+          </a:p>
+          <a:p>
+            <a:pPr lvl="1"/>
+            <a:r>
+              <a:rPr lang="en-US" dirty="0"/>
+              <a:t>Might want to glance at hw3 if you want, but not crucial.</a:t>
+            </a:r>
+          </a:p>
+          <a:p>
+            <a:r>
+              <a:rPr lang="en-US" dirty="0"/>
+              <a:t>Thursday lecture will be recorded asynchronous</a:t>
+            </a:r>
+          </a:p>
+          <a:p>
+            <a:r>
+              <a:rPr lang="en-US" dirty="0"/>
+              <a:t>Today we will finish Bayesian Networks slides</a:t>
+            </a:r>
+          </a:p>
+        </p:txBody>
+      </p:sp>
+      <p:sp>
+        <p:nvSpPr>
+          <p:cNvPr id="4" name="Slide Number Placeholder 3"/>
+          <p:cNvSpPr>
+            <a:spLocks noGrp="1"/>
+          </p:cNvSpPr>
+          <p:nvPr>
+            <p:ph type="sldNum" sz="quarter" idx="12"/>
+          </p:nvPr>
+        </p:nvSpPr>
+        <p:spPr/>
+        <p:txBody>
+          <a:bodyPr/>
+          <a:lstStyle/>
+          <a:p>
+            <a:fld id="{F26D9103-0C5C-48AC-B68E-3ED2C1647047}" type="slidenum">
+              <a:rPr lang="en-US" smtClean="0"/>
+              <a:pPr/>
+              <a:t>14</a:t>
+            </a:fld>
+            <a:endParaRPr lang="en-US" dirty="0"/>
+          </a:p>
+        </p:txBody>
+      </p:sp>
+    </p:spTree>
+    <p:extLst>
+      <p:ext uri="{BB962C8B-B14F-4D97-AF65-F5344CB8AC3E}">
+        <p14:creationId xmlns:p14="http://schemas.microsoft.com/office/powerpoint/2010/main" val="1163686125"/>
+      </p:ext>
+    </p:extLst>
+  </p:cSld>
+  <p:clrMapOvr>
+    <a:masterClrMapping/>
+  </p:clrMapOvr>
+</p:sld>
+</file>
+
+<file path=ppt/slides/slide15.xml><?xml version="1.0" encoding="utf-8"?>
+<p:sld xmlns:a="http://schemas.openxmlformats.org/drawingml/2006/main" xmlns:r="http://schemas.openxmlformats.org/officeDocument/2006/relationships" xmlns:p="http://schemas.openxmlformats.org/presentationml/2006/main">
+  <p:cSld>
+    <p:spTree>
+      <p:nvGrpSpPr>
+        <p:cNvPr id="1" name=""/>
+        <p:cNvGrpSpPr/>
+        <p:nvPr/>
+      </p:nvGrpSpPr>
+      <p:grpSpPr>
+        <a:xfrm>
+          <a:off x="0" y="0"/>
+          <a:ext cx="0" cy="0"/>
+          <a:chOff x="0" y="0"/>
+          <a:chExt cx="0" cy="0"/>
+        </a:xfrm>
+      </p:grpSpPr>
+      <p:sp>
+        <p:nvSpPr>
+          <p:cNvPr id="6146" name="Rectangle 2"/>
+          <p:cNvSpPr>
+            <a:spLocks noGrp="1" noChangeArrowheads="1"/>
+          </p:cNvSpPr>
+          <p:nvPr>
+            <p:ph type="title"/>
+            <p:custDataLst>
+              <p:tags r:id="rId1"/>
+            </p:custDataLst>
+          </p:nvPr>
+        </p:nvSpPr>
+        <p:spPr/>
+        <p:txBody>
+          <a:bodyPr/>
+          <a:lstStyle/>
+          <a:p>
+            <a:r>
+              <a:rPr lang="en-US" dirty="0"/>
+              <a:t>Tuesday, April 6</a:t>
+            </a:r>
+          </a:p>
+        </p:txBody>
+      </p:sp>
+      <p:sp>
+        <p:nvSpPr>
+          <p:cNvPr id="6147" name="Rectangle 3"/>
+          <p:cNvSpPr>
+            <a:spLocks noGrp="1" noChangeArrowheads="1"/>
+          </p:cNvSpPr>
+          <p:nvPr>
+            <p:ph sz="quarter" idx="1"/>
+            <p:custDataLst>
+              <p:tags r:id="rId2"/>
+            </p:custDataLst>
+          </p:nvPr>
+        </p:nvSpPr>
+        <p:spPr>
+          <a:xfrm>
+            <a:off x="381000" y="1371600"/>
+            <a:ext cx="8255000" cy="5105400"/>
+          </a:xfrm>
+        </p:spPr>
+        <p:txBody>
+          <a:bodyPr>
+            <a:normAutofit lnSpcReduction="10000"/>
+          </a:bodyPr>
+          <a:lstStyle/>
+          <a:p>
+            <a:r>
+              <a:rPr lang="en-US" dirty="0"/>
+              <a:t>Grading is still caught up I believe</a:t>
+            </a:r>
+          </a:p>
+          <a:p>
+            <a:r>
+              <a:rPr lang="en-US" dirty="0"/>
+              <a:t>Hard deadline for </a:t>
+            </a:r>
+            <a:r>
+              <a:rPr lang="en-US" dirty="0" err="1"/>
+              <a:t>hws</a:t>
+            </a:r>
+            <a:r>
+              <a:rPr lang="en-US" dirty="0"/>
+              <a:t> 0–2 has passed. </a:t>
+            </a:r>
+          </a:p>
+          <a:p>
+            <a:r>
+              <a:rPr lang="en-US" dirty="0"/>
+              <a:t>Second round of quizzes is done.</a:t>
+            </a:r>
+          </a:p>
+          <a:p>
+            <a:pPr lvl="1"/>
+            <a:r>
+              <a:rPr lang="en-US" dirty="0"/>
+              <a:t>7/10 = competency		9/10 = mastery</a:t>
+            </a:r>
+          </a:p>
+          <a:p>
+            <a:pPr lvl="1"/>
+            <a:endParaRPr lang="en-US" dirty="0"/>
+          </a:p>
+          <a:p>
+            <a:r>
+              <a:rPr lang="en-US" dirty="0"/>
+              <a:t>Redo game playing + </a:t>
+            </a:r>
+            <a:r>
+              <a:rPr lang="en-US" dirty="0" err="1"/>
+              <a:t>bayes</a:t>
+            </a:r>
+            <a:r>
+              <a:rPr lang="en-US" dirty="0"/>
+              <a:t> nets quiz this week</a:t>
+            </a:r>
+          </a:p>
+          <a:p>
+            <a:pPr lvl="1"/>
+            <a:r>
+              <a:rPr lang="en-US" dirty="0"/>
+              <a:t>Thursday – Friday just like last week.</a:t>
+            </a:r>
+          </a:p>
+          <a:p>
+            <a:r>
+              <a:rPr lang="en-US" dirty="0"/>
+              <a:t>Recommended schedule is up on course website now!</a:t>
+            </a:r>
+          </a:p>
+          <a:p>
+            <a:pPr lvl="1"/>
+            <a:r>
+              <a:rPr lang="en-US" dirty="0"/>
+              <a:t>You should be studying for quizzes now! </a:t>
+            </a:r>
+          </a:p>
+          <a:p>
+            <a:pPr lvl="1"/>
+            <a:r>
+              <a:rPr lang="en-US" dirty="0"/>
+              <a:t>Should get started on Ticket to Ride homework this week!</a:t>
+            </a:r>
+          </a:p>
+          <a:p>
+            <a:r>
+              <a:rPr lang="en-US" dirty="0"/>
+              <a:t>Thursday lecture will be recorded asynchronous again</a:t>
+            </a:r>
+          </a:p>
+          <a:p>
+            <a:r>
+              <a:rPr lang="en-US" dirty="0"/>
+              <a:t>Today we will finish MDPs</a:t>
+            </a:r>
+          </a:p>
+        </p:txBody>
+      </p:sp>
+      <p:sp>
+        <p:nvSpPr>
+          <p:cNvPr id="4" name="Slide Number Placeholder 3"/>
+          <p:cNvSpPr>
+            <a:spLocks noGrp="1"/>
+          </p:cNvSpPr>
+          <p:nvPr>
+            <p:ph type="sldNum" sz="quarter" idx="12"/>
+          </p:nvPr>
+        </p:nvSpPr>
+        <p:spPr/>
+        <p:txBody>
+          <a:bodyPr/>
+          <a:lstStyle/>
+          <a:p>
+            <a:fld id="{F26D9103-0C5C-48AC-B68E-3ED2C1647047}" type="slidenum">
+              <a:rPr lang="en-US" smtClean="0"/>
+              <a:pPr/>
+              <a:t>15</a:t>
+            </a:fld>
+            <a:endParaRPr lang="en-US" dirty="0"/>
+          </a:p>
+        </p:txBody>
+      </p:sp>
+    </p:spTree>
+    <p:extLst>
+      <p:ext uri="{BB962C8B-B14F-4D97-AF65-F5344CB8AC3E}">
+        <p14:creationId xmlns:p14="http://schemas.microsoft.com/office/powerpoint/2010/main" val="3450046902"/>
+      </p:ext>
+    </p:extLst>
+  </p:cSld>
+  <p:clrMapOvr>
+    <a:masterClrMapping/>
+  </p:clrMapOvr>
+</p:sld>
+</file>
+
+<file path=ppt/slides/slide16.xml><?xml version="1.0" encoding="utf-8"?>
+<p:sld xmlns:a="http://schemas.openxmlformats.org/drawingml/2006/main" xmlns:r="http://schemas.openxmlformats.org/officeDocument/2006/relationships" xmlns:p="http://schemas.openxmlformats.org/presentationml/2006/main">
+  <p:cSld>
+    <p:spTree>
+      <p:nvGrpSpPr>
+        <p:cNvPr id="1" name=""/>
+        <p:cNvGrpSpPr/>
+        <p:nvPr/>
+      </p:nvGrpSpPr>
+      <p:grpSpPr>
+        <a:xfrm>
+          <a:off x="0" y="0"/>
+          <a:ext cx="0" cy="0"/>
+          <a:chOff x="0" y="0"/>
+          <a:chExt cx="0" cy="0"/>
+        </a:xfrm>
+      </p:grpSpPr>
+      <p:sp>
+        <p:nvSpPr>
+          <p:cNvPr id="6146" name="Rectangle 2"/>
+          <p:cNvSpPr>
+            <a:spLocks noGrp="1" noChangeArrowheads="1"/>
+          </p:cNvSpPr>
+          <p:nvPr>
+            <p:ph type="title"/>
+            <p:custDataLst>
+              <p:tags r:id="rId1"/>
+            </p:custDataLst>
+          </p:nvPr>
+        </p:nvSpPr>
+        <p:spPr/>
+        <p:txBody>
+          <a:bodyPr/>
+          <a:lstStyle/>
+          <a:p>
+            <a:r>
+              <a:rPr lang="en-US" dirty="0"/>
+              <a:t>Tuesday, April 20</a:t>
+            </a:r>
+          </a:p>
+        </p:txBody>
+      </p:sp>
+      <p:sp>
+        <p:nvSpPr>
+          <p:cNvPr id="6147" name="Rectangle 3"/>
+          <p:cNvSpPr>
+            <a:spLocks noGrp="1" noChangeArrowheads="1"/>
+          </p:cNvSpPr>
+          <p:nvPr>
+            <p:ph sz="quarter" idx="1"/>
+            <p:custDataLst>
+              <p:tags r:id="rId2"/>
+            </p:custDataLst>
+          </p:nvPr>
+        </p:nvSpPr>
+        <p:spPr>
+          <a:xfrm>
+            <a:off x="381000" y="1371600"/>
+            <a:ext cx="8255000" cy="5105400"/>
+          </a:xfrm>
+        </p:spPr>
+        <p:txBody>
+          <a:bodyPr>
+            <a:normAutofit/>
+          </a:bodyPr>
+          <a:lstStyle/>
+          <a:p>
+            <a:r>
+              <a:rPr lang="en-US" dirty="0"/>
+              <a:t>Ticket to Ride “Soft” deadline is tonight!</a:t>
+            </a:r>
+          </a:p>
+          <a:p>
+            <a:r>
+              <a:rPr lang="en-US" dirty="0"/>
+              <a:t>Helen sent out a form for those who want to be in class competition. Don’t be shy! It will be fun! </a:t>
+            </a:r>
+          </a:p>
+          <a:p>
+            <a:r>
+              <a:rPr lang="en-US" dirty="0"/>
+              <a:t>More quizzes this week.</a:t>
+            </a:r>
+          </a:p>
+          <a:p>
+            <a:pPr lvl="1"/>
+            <a:r>
+              <a:rPr lang="en-US" dirty="0"/>
+              <a:t>Markov Models attempt 1</a:t>
+            </a:r>
+          </a:p>
+          <a:p>
+            <a:pPr lvl="1"/>
+            <a:r>
+              <a:rPr lang="en-US" dirty="0"/>
+              <a:t>Bayes Nets attempt 2</a:t>
+            </a:r>
+          </a:p>
+          <a:p>
+            <a:r>
+              <a:rPr lang="en-US" dirty="0"/>
+              <a:t>Recommended schedule is up on course website now!</a:t>
+            </a:r>
+          </a:p>
+          <a:p>
+            <a:pPr lvl="1"/>
+            <a:r>
+              <a:rPr lang="en-US" dirty="0"/>
+              <a:t>You should be working on ticket to ride</a:t>
+            </a:r>
+          </a:p>
+          <a:p>
+            <a:pPr lvl="1"/>
+            <a:r>
+              <a:rPr lang="en-US" dirty="0"/>
+              <a:t>HW4 (negotiation) officially “released” end of this week.</a:t>
+            </a:r>
+          </a:p>
+          <a:p>
+            <a:r>
+              <a:rPr lang="en-US" dirty="0"/>
+              <a:t>Today we will discuss a couple topics in Multi-Agent Systems</a:t>
+            </a:r>
+          </a:p>
+        </p:txBody>
+      </p:sp>
+      <p:sp>
+        <p:nvSpPr>
+          <p:cNvPr id="4" name="Slide Number Placeholder 3"/>
+          <p:cNvSpPr>
+            <a:spLocks noGrp="1"/>
+          </p:cNvSpPr>
+          <p:nvPr>
+            <p:ph type="sldNum" sz="quarter" idx="12"/>
+          </p:nvPr>
+        </p:nvSpPr>
+        <p:spPr/>
+        <p:txBody>
+          <a:bodyPr/>
+          <a:lstStyle/>
+          <a:p>
+            <a:fld id="{F26D9103-0C5C-48AC-B68E-3ED2C1647047}" type="slidenum">
+              <a:rPr lang="en-US" smtClean="0"/>
+              <a:pPr/>
+              <a:t>16</a:t>
+            </a:fld>
+            <a:endParaRPr lang="en-US" dirty="0"/>
+          </a:p>
+        </p:txBody>
+      </p:sp>
+    </p:spTree>
+    <p:extLst>
+      <p:ext uri="{BB962C8B-B14F-4D97-AF65-F5344CB8AC3E}">
+        <p14:creationId xmlns:p14="http://schemas.microsoft.com/office/powerpoint/2010/main" val="757530685"/>
+      </p:ext>
+    </p:extLst>
+  </p:cSld>
+  <p:clrMapOvr>
+    <a:masterClrMapping/>
+  </p:clrMapOvr>
+</p:sld>
+</file>
+
 <file path=ppt/slides/slide2.xml><?xml version="1.0" encoding="utf-8"?>
 <p:sld xmlns:a="http://schemas.openxmlformats.org/drawingml/2006/main" xmlns:r="http://schemas.openxmlformats.org/officeDocument/2006/relationships" xmlns:p="http://schemas.openxmlformats.org/presentationml/2006/main">
   <p:cSld>
@@ -6156,7 +7435,91 @@
 </p:tagLst>
 </file>
 
+<file path=ppt/tags/tag16.xml><?xml version="1.0" encoding="utf-8"?>
+<p:tagLst xmlns:a="http://schemas.openxmlformats.org/drawingml/2006/main" xmlns:r="http://schemas.openxmlformats.org/officeDocument/2006/relationships" xmlns:p="http://schemas.openxmlformats.org/presentationml/2006/main">
+  <p:tag name="_INSTRUCTOR VIEW19C14C36-AC8E-43BC-9DB6-C2AAF774C7DC|PANE__TAG" val="_"/>
+</p:tagLst>
+</file>
+
+<file path=ppt/tags/tag17.xml><?xml version="1.0" encoding="utf-8"?>
+<p:tagLst xmlns:a="http://schemas.openxmlformats.org/drawingml/2006/main" xmlns:r="http://schemas.openxmlformats.org/officeDocument/2006/relationships" xmlns:p="http://schemas.openxmlformats.org/presentationml/2006/main">
+  <p:tag name="_INSTRUCTOR VIEW19C14C36-AC8E-43BC-9DB6-C2AAF774C7DC|PANE__TAG" val="_"/>
+</p:tagLst>
+</file>
+
+<file path=ppt/tags/tag18.xml><?xml version="1.0" encoding="utf-8"?>
+<p:tagLst xmlns:a="http://schemas.openxmlformats.org/drawingml/2006/main" xmlns:r="http://schemas.openxmlformats.org/officeDocument/2006/relationships" xmlns:p="http://schemas.openxmlformats.org/presentationml/2006/main">
+  <p:tag name="_INSTRUCTOR VIEW19C14C36-AC8E-43BC-9DB6-C2AAF774C7DC|PANE__TAG" val="_"/>
+</p:tagLst>
+</file>
+
+<file path=ppt/tags/tag19.xml><?xml version="1.0" encoding="utf-8"?>
+<p:tagLst xmlns:a="http://schemas.openxmlformats.org/drawingml/2006/main" xmlns:r="http://schemas.openxmlformats.org/officeDocument/2006/relationships" xmlns:p="http://schemas.openxmlformats.org/presentationml/2006/main">
+  <p:tag name="_INSTRUCTOR VIEW19C14C36-AC8E-43BC-9DB6-C2AAF774C7DC|PANE__TAG" val="_"/>
+</p:tagLst>
+</file>
+
 <file path=ppt/tags/tag2.xml><?xml version="1.0" encoding="utf-8"?>
+<p:tagLst xmlns:a="http://schemas.openxmlformats.org/drawingml/2006/main" xmlns:r="http://schemas.openxmlformats.org/officeDocument/2006/relationships" xmlns:p="http://schemas.openxmlformats.org/presentationml/2006/main">
+  <p:tag name="_INSTRUCTOR VIEW19C14C36-AC8E-43BC-9DB6-C2AAF774C7DC|PANE__TAG" val="_"/>
+</p:tagLst>
+</file>
+
+<file path=ppt/tags/tag20.xml><?xml version="1.0" encoding="utf-8"?>
+<p:tagLst xmlns:a="http://schemas.openxmlformats.org/drawingml/2006/main" xmlns:r="http://schemas.openxmlformats.org/officeDocument/2006/relationships" xmlns:p="http://schemas.openxmlformats.org/presentationml/2006/main">
+  <p:tag name="_INSTRUCTOR VIEW19C14C36-AC8E-43BC-9DB6-C2AAF774C7DC|PANE__TAG" val="_"/>
+</p:tagLst>
+</file>
+
+<file path=ppt/tags/tag21.xml><?xml version="1.0" encoding="utf-8"?>
+<p:tagLst xmlns:a="http://schemas.openxmlformats.org/drawingml/2006/main" xmlns:r="http://schemas.openxmlformats.org/officeDocument/2006/relationships" xmlns:p="http://schemas.openxmlformats.org/presentationml/2006/main">
+  <p:tag name="_INSTRUCTOR VIEW19C14C36-AC8E-43BC-9DB6-C2AAF774C7DC|PANE__TAG" val="_"/>
+</p:tagLst>
+</file>
+
+<file path=ppt/tags/tag22.xml><?xml version="1.0" encoding="utf-8"?>
+<p:tagLst xmlns:a="http://schemas.openxmlformats.org/drawingml/2006/main" xmlns:r="http://schemas.openxmlformats.org/officeDocument/2006/relationships" xmlns:p="http://schemas.openxmlformats.org/presentationml/2006/main">
+  <p:tag name="_INSTRUCTOR VIEW19C14C36-AC8E-43BC-9DB6-C2AAF774C7DC|PANE__TAG" val="_"/>
+</p:tagLst>
+</file>
+
+<file path=ppt/tags/tag23.xml><?xml version="1.0" encoding="utf-8"?>
+<p:tagLst xmlns:a="http://schemas.openxmlformats.org/drawingml/2006/main" xmlns:r="http://schemas.openxmlformats.org/officeDocument/2006/relationships" xmlns:p="http://schemas.openxmlformats.org/presentationml/2006/main">
+  <p:tag name="_INSTRUCTOR VIEW19C14C36-AC8E-43BC-9DB6-C2AAF774C7DC|PANE__TAG" val="_"/>
+</p:tagLst>
+</file>
+
+<file path=ppt/tags/tag24.xml><?xml version="1.0" encoding="utf-8"?>
+<p:tagLst xmlns:a="http://schemas.openxmlformats.org/drawingml/2006/main" xmlns:r="http://schemas.openxmlformats.org/officeDocument/2006/relationships" xmlns:p="http://schemas.openxmlformats.org/presentationml/2006/main">
+  <p:tag name="_INSTRUCTOR VIEW19C14C36-AC8E-43BC-9DB6-C2AAF774C7DC|PANE__TAG" val="_"/>
+</p:tagLst>
+</file>
+
+<file path=ppt/tags/tag25.xml><?xml version="1.0" encoding="utf-8"?>
+<p:tagLst xmlns:a="http://schemas.openxmlformats.org/drawingml/2006/main" xmlns:r="http://schemas.openxmlformats.org/officeDocument/2006/relationships" xmlns:p="http://schemas.openxmlformats.org/presentationml/2006/main">
+  <p:tag name="_INSTRUCTOR VIEW19C14C36-AC8E-43BC-9DB6-C2AAF774C7DC|PANE__TAG" val="_"/>
+</p:tagLst>
+</file>
+
+<file path=ppt/tags/tag26.xml><?xml version="1.0" encoding="utf-8"?>
+<p:tagLst xmlns:a="http://schemas.openxmlformats.org/drawingml/2006/main" xmlns:r="http://schemas.openxmlformats.org/officeDocument/2006/relationships" xmlns:p="http://schemas.openxmlformats.org/presentationml/2006/main">
+  <p:tag name="_INSTRUCTOR VIEW19C14C36-AC8E-43BC-9DB6-C2AAF774C7DC|PANE__TAG" val="_"/>
+</p:tagLst>
+</file>
+
+<file path=ppt/tags/tag27.xml><?xml version="1.0" encoding="utf-8"?>
+<p:tagLst xmlns:a="http://schemas.openxmlformats.org/drawingml/2006/main" xmlns:r="http://schemas.openxmlformats.org/officeDocument/2006/relationships" xmlns:p="http://schemas.openxmlformats.org/presentationml/2006/main">
+  <p:tag name="_INSTRUCTOR VIEW19C14C36-AC8E-43BC-9DB6-C2AAF774C7DC|PANE__TAG" val="_"/>
+</p:tagLst>
+</file>
+
+<file path=ppt/tags/tag28.xml><?xml version="1.0" encoding="utf-8"?>
+<p:tagLst xmlns:a="http://schemas.openxmlformats.org/drawingml/2006/main" xmlns:r="http://schemas.openxmlformats.org/officeDocument/2006/relationships" xmlns:p="http://schemas.openxmlformats.org/presentationml/2006/main">
+  <p:tag name="_INSTRUCTOR VIEW19C14C36-AC8E-43BC-9DB6-C2AAF774C7DC|PANE__TAG" val="_"/>
+</p:tagLst>
+</file>
+
+<file path=ppt/tags/tag29.xml><?xml version="1.0" encoding="utf-8"?>
 <p:tagLst xmlns:a="http://schemas.openxmlformats.org/drawingml/2006/main" xmlns:r="http://schemas.openxmlformats.org/officeDocument/2006/relationships" xmlns:p="http://schemas.openxmlformats.org/presentationml/2006/main">
   <p:tag name="_INSTRUCTOR VIEW19C14C36-AC8E-43BC-9DB6-C2AAF774C7DC|PANE__TAG" val="_"/>
 </p:tagLst>

--- a/slides/dailyannouncements.pptx
+++ b/slides/dailyannouncements.pptx
@@ -5,10 +5,10 @@
     <p:sldMasterId id="2147483728" r:id="rId1"/>
   </p:sldMasterIdLst>
   <p:notesMasterIdLst>
-    <p:notesMasterId r:id="rId18"/>
+    <p:notesMasterId r:id="rId20"/>
   </p:notesMasterIdLst>
   <p:handoutMasterIdLst>
-    <p:handoutMasterId r:id="rId19"/>
+    <p:handoutMasterId r:id="rId21"/>
   </p:handoutMasterIdLst>
   <p:sldIdLst>
     <p:sldId id="447" r:id="rId2"/>
@@ -27,11 +27,13 @@
     <p:sldId id="495" r:id="rId15"/>
     <p:sldId id="496" r:id="rId16"/>
     <p:sldId id="497" r:id="rId17"/>
+    <p:sldId id="498" r:id="rId18"/>
+    <p:sldId id="499" r:id="rId19"/>
   </p:sldIdLst>
   <p:sldSz cx="9144000" cy="6858000" type="screen4x3"/>
   <p:notesSz cx="7315200" cy="9601200"/>
   <p:custDataLst>
-    <p:tags r:id="rId20"/>
+    <p:tags r:id="rId22"/>
   </p:custDataLst>
   <p:defaultTextStyle>
     <a:defPPr>
@@ -1031,7 +1033,7 @@
             <a:fld id="{E4886CB5-510A-4EF6-9466-BC7A8F0DDE87}" type="datetime1">
               <a:rPr lang="en-US" smtClean="0"/>
               <a:pPr/>
-              <a:t>4/20/21</a:t>
+              <a:t>4/29/21</a:t>
             </a:fld>
             <a:endParaRPr lang="en-US"/>
           </a:p>
@@ -1391,7 +1393,7 @@
             <a:fld id="{9B297853-24B4-4D05-83E4-0AD2E86C55E5}" type="datetime1">
               <a:rPr lang="en-US" smtClean="0"/>
               <a:pPr/>
-              <a:t>4/20/21</a:t>
+              <a:t>4/29/21</a:t>
             </a:fld>
             <a:endParaRPr lang="en-US"/>
           </a:p>
@@ -1567,7 +1569,7 @@
             <a:fld id="{01FCDD9E-5768-4705-9537-0C020B1BB310}" type="datetime1">
               <a:rPr lang="en-US" smtClean="0"/>
               <a:pPr/>
-              <a:t>4/20/21</a:t>
+              <a:t>4/29/21</a:t>
             </a:fld>
             <a:endParaRPr lang="en-US"/>
           </a:p>
@@ -1803,7 +1805,7 @@
             <a:fld id="{4257C27E-59C2-41CA-9776-94955CBEE440}" type="datetime1">
               <a:rPr lang="en-US" smtClean="0"/>
               <a:pPr/>
-              <a:t>4/20/21</a:t>
+              <a:t>4/29/21</a:t>
             </a:fld>
             <a:endParaRPr lang="en-US"/>
           </a:p>
@@ -2089,7 +2091,7 @@
             <a:fld id="{03180747-A137-49C6-9C74-AB7EE86F4904}" type="datetime1">
               <a:rPr lang="en-US" smtClean="0"/>
               <a:pPr/>
-              <a:t>4/20/21</a:t>
+              <a:t>4/29/21</a:t>
             </a:fld>
             <a:endParaRPr lang="en-US"/>
           </a:p>
@@ -2310,7 +2312,7 @@
             <a:fld id="{EBBA31D9-ADC1-480D-86A8-1EAFB6A86A35}" type="datetime1">
               <a:rPr lang="en-US" smtClean="0"/>
               <a:pPr/>
-              <a:t>4/20/21</a:t>
+              <a:t>4/29/21</a:t>
             </a:fld>
             <a:endParaRPr lang="en-US"/>
           </a:p>
@@ -2663,7 +2665,7 @@
             <a:fld id="{80AAE9AE-3B2F-4DEA-8C41-BDDF4CDF6F40}" type="datetime1">
               <a:rPr lang="en-US" smtClean="0"/>
               <a:pPr/>
-              <a:t>4/20/21</a:t>
+              <a:t>4/29/21</a:t>
             </a:fld>
             <a:endParaRPr lang="en-US"/>
           </a:p>
@@ -2896,7 +2898,7 @@
             <a:fld id="{48252F7F-E8FE-413B-8521-D4ED924C6DE5}" type="datetime1">
               <a:rPr lang="en-US" smtClean="0"/>
               <a:pPr/>
-              <a:t>4/20/21</a:t>
+              <a:t>4/29/21</a:t>
             </a:fld>
             <a:endParaRPr lang="en-US"/>
           </a:p>
@@ -3038,7 +3040,7 @@
             <a:fld id="{2FF1B124-70E3-4E4A-90E2-6B55DB7659B3}" type="datetime1">
               <a:rPr lang="en-US" smtClean="0"/>
               <a:pPr/>
-              <a:t>4/20/21</a:t>
+              <a:t>4/29/21</a:t>
             </a:fld>
             <a:endParaRPr lang="en-US"/>
           </a:p>
@@ -3316,7 +3318,7 @@
             <a:fld id="{4EBF4C98-3CD6-4C87-BD40-5718C2628835}" type="datetime1">
               <a:rPr lang="en-US" smtClean="0"/>
               <a:pPr/>
-              <a:t>4/20/21</a:t>
+              <a:t>4/29/21</a:t>
             </a:fld>
             <a:endParaRPr lang="en-US"/>
           </a:p>
@@ -3724,7 +3726,7 @@
             <a:fld id="{6D6408A8-6B1B-4CDA-875E-7BEECDBA31DF}" type="datetime1">
               <a:rPr lang="en-US" smtClean="0"/>
               <a:pPr/>
-              <a:t>4/20/21</a:t>
+              <a:t>4/29/21</a:t>
             </a:fld>
             <a:endParaRPr lang="en-US"/>
           </a:p>
@@ -4062,7 +4064,7 @@
             <a:fld id="{C55AAF07-D2F5-4B3C-B443-40DE8C337A77}" type="datetime1">
               <a:rPr lang="en-US" smtClean="0"/>
               <a:pPr/>
-              <a:t>4/20/21</a:t>
+              <a:t>4/29/21</a:t>
             </a:fld>
             <a:endParaRPr lang="en-US"/>
           </a:p>
@@ -5934,6 +5936,364 @@
 </p:sld>
 </file>
 
+<file path=ppt/slides/slide17.xml><?xml version="1.0" encoding="utf-8"?>
+<p:sld xmlns:a="http://schemas.openxmlformats.org/drawingml/2006/main" xmlns:r="http://schemas.openxmlformats.org/officeDocument/2006/relationships" xmlns:p="http://schemas.openxmlformats.org/presentationml/2006/main">
+  <p:cSld>
+    <p:spTree>
+      <p:nvGrpSpPr>
+        <p:cNvPr id="1" name=""/>
+        <p:cNvGrpSpPr/>
+        <p:nvPr/>
+      </p:nvGrpSpPr>
+      <p:grpSpPr>
+        <a:xfrm>
+          <a:off x="0" y="0"/>
+          <a:ext cx="0" cy="0"/>
+          <a:chOff x="0" y="0"/>
+          <a:chExt cx="0" cy="0"/>
+        </a:xfrm>
+      </p:grpSpPr>
+      <p:sp>
+        <p:nvSpPr>
+          <p:cNvPr id="6146" name="Rectangle 2"/>
+          <p:cNvSpPr>
+            <a:spLocks noGrp="1" noChangeArrowheads="1"/>
+          </p:cNvSpPr>
+          <p:nvPr>
+            <p:ph type="title"/>
+            <p:custDataLst>
+              <p:tags r:id="rId1"/>
+            </p:custDataLst>
+          </p:nvPr>
+        </p:nvSpPr>
+        <p:spPr/>
+        <p:txBody>
+          <a:bodyPr/>
+          <a:lstStyle/>
+          <a:p>
+            <a:r>
+              <a:rPr lang="en-US" dirty="0"/>
+              <a:t>Tuesday, April 27</a:t>
+            </a:r>
+          </a:p>
+        </p:txBody>
+      </p:sp>
+      <p:sp>
+        <p:nvSpPr>
+          <p:cNvPr id="6147" name="Rectangle 3"/>
+          <p:cNvSpPr>
+            <a:spLocks noGrp="1" noChangeArrowheads="1"/>
+          </p:cNvSpPr>
+          <p:nvPr>
+            <p:ph sz="quarter" idx="1"/>
+            <p:custDataLst>
+              <p:tags r:id="rId2"/>
+            </p:custDataLst>
+          </p:nvPr>
+        </p:nvSpPr>
+        <p:spPr>
+          <a:xfrm>
+            <a:off x="381000" y="1371600"/>
+            <a:ext cx="8255000" cy="5105400"/>
+          </a:xfrm>
+        </p:spPr>
+        <p:txBody>
+          <a:bodyPr>
+            <a:normAutofit lnSpcReduction="10000"/>
+          </a:bodyPr>
+          <a:lstStyle/>
+          <a:p>
+            <a:r>
+              <a:rPr lang="en-US" dirty="0"/>
+              <a:t>Ticket to Ride competition happening very soon!</a:t>
+            </a:r>
+          </a:p>
+          <a:p>
+            <a:pPr lvl="1"/>
+            <a:r>
+              <a:rPr lang="en-US" dirty="0"/>
+              <a:t>Sorry for delay</a:t>
+            </a:r>
+          </a:p>
+          <a:p>
+            <a:r>
+              <a:rPr lang="en-US" dirty="0"/>
+              <a:t>One more quizzes this week.</a:t>
+            </a:r>
+          </a:p>
+          <a:p>
+            <a:pPr lvl="1"/>
+            <a:r>
+              <a:rPr lang="en-US" dirty="0"/>
+              <a:t>Markov Models attempt 2</a:t>
+            </a:r>
+          </a:p>
+          <a:p>
+            <a:pPr lvl="1"/>
+            <a:r>
+              <a:rPr lang="en-US" dirty="0"/>
+              <a:t>No NEW quizzes this week.</a:t>
+            </a:r>
+          </a:p>
+          <a:p>
+            <a:r>
+              <a:rPr lang="en-US" dirty="0"/>
+              <a:t>Recommended schedule is up on course website now!</a:t>
+            </a:r>
+          </a:p>
+          <a:p>
+            <a:pPr lvl="1"/>
+            <a:r>
+              <a:rPr lang="en-US" dirty="0"/>
+              <a:t>You should be wrapping up ticket to ride</a:t>
+            </a:r>
+          </a:p>
+          <a:p>
+            <a:pPr lvl="1"/>
+            <a:r>
+              <a:rPr lang="en-US" dirty="0"/>
+              <a:t>You can officially begin HW 4 negotiation after today</a:t>
+            </a:r>
+          </a:p>
+          <a:p>
+            <a:pPr lvl="1"/>
+            <a:r>
+              <a:rPr lang="en-US" dirty="0"/>
+              <a:t>And there is still one more homework coming. I’ll go over it probably on Thursday</a:t>
+            </a:r>
+          </a:p>
+          <a:p>
+            <a:r>
+              <a:rPr lang="en-US" dirty="0"/>
+              <a:t>Today we will discuss a couple topics in Multi-Agent Systems and finish that up</a:t>
+            </a:r>
+            <a:r>
+              <a:rPr lang="en-US"/>
+              <a:t>.  Also </a:t>
+            </a:r>
+            <a:r>
+              <a:rPr lang="en-US" dirty="0"/>
+              <a:t>chat about hw4</a:t>
+            </a:r>
+          </a:p>
+        </p:txBody>
+      </p:sp>
+      <p:sp>
+        <p:nvSpPr>
+          <p:cNvPr id="4" name="Slide Number Placeholder 3"/>
+          <p:cNvSpPr>
+            <a:spLocks noGrp="1"/>
+          </p:cNvSpPr>
+          <p:nvPr>
+            <p:ph type="sldNum" sz="quarter" idx="12"/>
+          </p:nvPr>
+        </p:nvSpPr>
+        <p:spPr/>
+        <p:txBody>
+          <a:bodyPr/>
+          <a:lstStyle/>
+          <a:p>
+            <a:fld id="{F26D9103-0C5C-48AC-B68E-3ED2C1647047}" type="slidenum">
+              <a:rPr lang="en-US" smtClean="0"/>
+              <a:pPr/>
+              <a:t>17</a:t>
+            </a:fld>
+            <a:endParaRPr lang="en-US" dirty="0"/>
+          </a:p>
+        </p:txBody>
+      </p:sp>
+    </p:spTree>
+    <p:extLst>
+      <p:ext uri="{BB962C8B-B14F-4D97-AF65-F5344CB8AC3E}">
+        <p14:creationId xmlns:p14="http://schemas.microsoft.com/office/powerpoint/2010/main" val="3581016813"/>
+      </p:ext>
+    </p:extLst>
+  </p:cSld>
+  <p:clrMapOvr>
+    <a:masterClrMapping/>
+  </p:clrMapOvr>
+</p:sld>
+</file>
+
+<file path=ppt/slides/slide18.xml><?xml version="1.0" encoding="utf-8"?>
+<p:sld xmlns:a="http://schemas.openxmlformats.org/drawingml/2006/main" xmlns:r="http://schemas.openxmlformats.org/officeDocument/2006/relationships" xmlns:p="http://schemas.openxmlformats.org/presentationml/2006/main">
+  <p:cSld>
+    <p:spTree>
+      <p:nvGrpSpPr>
+        <p:cNvPr id="1" name=""/>
+        <p:cNvGrpSpPr/>
+        <p:nvPr/>
+      </p:nvGrpSpPr>
+      <p:grpSpPr>
+        <a:xfrm>
+          <a:off x="0" y="0"/>
+          <a:ext cx="0" cy="0"/>
+          <a:chOff x="0" y="0"/>
+          <a:chExt cx="0" cy="0"/>
+        </a:xfrm>
+      </p:grpSpPr>
+      <p:sp>
+        <p:nvSpPr>
+          <p:cNvPr id="6146" name="Rectangle 2"/>
+          <p:cNvSpPr>
+            <a:spLocks noGrp="1" noChangeArrowheads="1"/>
+          </p:cNvSpPr>
+          <p:nvPr>
+            <p:ph type="title"/>
+            <p:custDataLst>
+              <p:tags r:id="rId1"/>
+            </p:custDataLst>
+          </p:nvPr>
+        </p:nvSpPr>
+        <p:spPr/>
+        <p:txBody>
+          <a:bodyPr/>
+          <a:lstStyle/>
+          <a:p>
+            <a:r>
+              <a:rPr lang="en-US" dirty="0"/>
+              <a:t>Tuesday, April 29</a:t>
+            </a:r>
+          </a:p>
+        </p:txBody>
+      </p:sp>
+      <p:sp>
+        <p:nvSpPr>
+          <p:cNvPr id="6147" name="Rectangle 3"/>
+          <p:cNvSpPr>
+            <a:spLocks noGrp="1" noChangeArrowheads="1"/>
+          </p:cNvSpPr>
+          <p:nvPr>
+            <p:ph sz="quarter" idx="1"/>
+            <p:custDataLst>
+              <p:tags r:id="rId2"/>
+            </p:custDataLst>
+          </p:nvPr>
+        </p:nvSpPr>
+        <p:spPr>
+          <a:xfrm>
+            <a:off x="381000" y="1371600"/>
+            <a:ext cx="8255000" cy="5105400"/>
+          </a:xfrm>
+        </p:spPr>
+        <p:txBody>
+          <a:bodyPr>
+            <a:normAutofit/>
+          </a:bodyPr>
+          <a:lstStyle/>
+          <a:p>
+            <a:r>
+              <a:rPr lang="en-US" dirty="0"/>
+              <a:t>Ticket to Ride competition happening very soon!</a:t>
+            </a:r>
+          </a:p>
+          <a:p>
+            <a:pPr lvl="1"/>
+            <a:r>
+              <a:rPr lang="en-US" dirty="0"/>
+              <a:t>Sorry for delay</a:t>
+            </a:r>
+          </a:p>
+          <a:p>
+            <a:r>
+              <a:rPr lang="en-US" dirty="0"/>
+              <a:t>One more quizzes this week.</a:t>
+            </a:r>
+          </a:p>
+          <a:p>
+            <a:pPr lvl="1"/>
+            <a:r>
+              <a:rPr lang="en-US" dirty="0"/>
+              <a:t>Markov Models attempt 2</a:t>
+            </a:r>
+          </a:p>
+          <a:p>
+            <a:pPr lvl="1"/>
+            <a:r>
+              <a:rPr lang="en-US" dirty="0"/>
+              <a:t>No NEW quizzes this week.</a:t>
+            </a:r>
+          </a:p>
+          <a:p>
+            <a:r>
+              <a:rPr lang="en-US" dirty="0"/>
+              <a:t>Recommended schedule is up on course website now!</a:t>
+            </a:r>
+          </a:p>
+          <a:p>
+            <a:pPr lvl="1"/>
+            <a:r>
+              <a:rPr lang="en-US" dirty="0"/>
+              <a:t>You should be wrapping up ticket to ride</a:t>
+            </a:r>
+          </a:p>
+          <a:p>
+            <a:pPr lvl="1"/>
+            <a:r>
+              <a:rPr lang="en-US" dirty="0"/>
+              <a:t>You can officially begin HW 4 negotiation after today</a:t>
+            </a:r>
+          </a:p>
+          <a:p>
+            <a:pPr lvl="1"/>
+            <a:r>
+              <a:rPr lang="en-US" dirty="0"/>
+              <a:t>HW 4 </a:t>
+            </a:r>
+            <a:r>
+              <a:rPr lang="en-US" dirty="0" err="1"/>
+              <a:t>gradescope</a:t>
+            </a:r>
+            <a:r>
+              <a:rPr lang="en-US" dirty="0"/>
+              <a:t> submission will be up very soon along with minor updates to the code base.</a:t>
+            </a:r>
+          </a:p>
+          <a:p>
+            <a:r>
+              <a:rPr lang="en-US" dirty="0"/>
+              <a:t>Today we will discuss machine learning basics.</a:t>
+            </a:r>
+          </a:p>
+        </p:txBody>
+      </p:sp>
+      <p:sp>
+        <p:nvSpPr>
+          <p:cNvPr id="4" name="Slide Number Placeholder 3"/>
+          <p:cNvSpPr>
+            <a:spLocks noGrp="1"/>
+          </p:cNvSpPr>
+          <p:nvPr>
+            <p:ph type="sldNum" sz="quarter" idx="12"/>
+          </p:nvPr>
+        </p:nvSpPr>
+        <p:spPr/>
+        <p:txBody>
+          <a:bodyPr/>
+          <a:lstStyle/>
+          <a:p>
+            <a:fld id="{F26D9103-0C5C-48AC-B68E-3ED2C1647047}" type="slidenum">
+              <a:rPr lang="en-US" smtClean="0"/>
+              <a:pPr/>
+              <a:t>18</a:t>
+            </a:fld>
+            <a:endParaRPr lang="en-US" dirty="0"/>
+          </a:p>
+        </p:txBody>
+      </p:sp>
+    </p:spTree>
+    <p:extLst>
+      <p:ext uri="{BB962C8B-B14F-4D97-AF65-F5344CB8AC3E}">
+        <p14:creationId xmlns:p14="http://schemas.microsoft.com/office/powerpoint/2010/main" val="2638013987"/>
+      </p:ext>
+    </p:extLst>
+  </p:cSld>
+  <p:clrMapOvr>
+    <a:masterClrMapping/>
+  </p:clrMapOvr>
+</p:sld>
+</file>
+
 <file path=ppt/slides/slide2.xml><?xml version="1.0" encoding="utf-8"?>
 <p:sld xmlns:a="http://schemas.openxmlformats.org/drawingml/2006/main" xmlns:r="http://schemas.openxmlformats.org/officeDocument/2006/relationships" xmlns:p="http://schemas.openxmlformats.org/presentationml/2006/main">
   <p:cSld>
@@ -7526,6 +7886,30 @@
 </file>
 
 <file path=ppt/tags/tag3.xml><?xml version="1.0" encoding="utf-8"?>
+<p:tagLst xmlns:a="http://schemas.openxmlformats.org/drawingml/2006/main" xmlns:r="http://schemas.openxmlformats.org/officeDocument/2006/relationships" xmlns:p="http://schemas.openxmlformats.org/presentationml/2006/main">
+  <p:tag name="_INSTRUCTOR VIEW19C14C36-AC8E-43BC-9DB6-C2AAF774C7DC|PANE__TAG" val="_"/>
+</p:tagLst>
+</file>
+
+<file path=ppt/tags/tag30.xml><?xml version="1.0" encoding="utf-8"?>
+<p:tagLst xmlns:a="http://schemas.openxmlformats.org/drawingml/2006/main" xmlns:r="http://schemas.openxmlformats.org/officeDocument/2006/relationships" xmlns:p="http://schemas.openxmlformats.org/presentationml/2006/main">
+  <p:tag name="_INSTRUCTOR VIEW19C14C36-AC8E-43BC-9DB6-C2AAF774C7DC|PANE__TAG" val="_"/>
+</p:tagLst>
+</file>
+
+<file path=ppt/tags/tag31.xml><?xml version="1.0" encoding="utf-8"?>
+<p:tagLst xmlns:a="http://schemas.openxmlformats.org/drawingml/2006/main" xmlns:r="http://schemas.openxmlformats.org/officeDocument/2006/relationships" xmlns:p="http://schemas.openxmlformats.org/presentationml/2006/main">
+  <p:tag name="_INSTRUCTOR VIEW19C14C36-AC8E-43BC-9DB6-C2AAF774C7DC|PANE__TAG" val="_"/>
+</p:tagLst>
+</file>
+
+<file path=ppt/tags/tag32.xml><?xml version="1.0" encoding="utf-8"?>
+<p:tagLst xmlns:a="http://schemas.openxmlformats.org/drawingml/2006/main" xmlns:r="http://schemas.openxmlformats.org/officeDocument/2006/relationships" xmlns:p="http://schemas.openxmlformats.org/presentationml/2006/main">
+  <p:tag name="_INSTRUCTOR VIEW19C14C36-AC8E-43BC-9DB6-C2AAF774C7DC|PANE__TAG" val="_"/>
+</p:tagLst>
+</file>
+
+<file path=ppt/tags/tag33.xml><?xml version="1.0" encoding="utf-8"?>
 <p:tagLst xmlns:a="http://schemas.openxmlformats.org/drawingml/2006/main" xmlns:r="http://schemas.openxmlformats.org/officeDocument/2006/relationships" xmlns:p="http://schemas.openxmlformats.org/presentationml/2006/main">
   <p:tag name="_INSTRUCTOR VIEW19C14C36-AC8E-43BC-9DB6-C2AAF774C7DC|PANE__TAG" val="_"/>
 </p:tagLst>

--- a/slides/dailyannouncements.pptx
+++ b/slides/dailyannouncements.pptx
@@ -5,10 +5,10 @@
     <p:sldMasterId id="2147483728" r:id="rId1"/>
   </p:sldMasterIdLst>
   <p:notesMasterIdLst>
-    <p:notesMasterId r:id="rId20"/>
+    <p:notesMasterId r:id="rId21"/>
   </p:notesMasterIdLst>
   <p:handoutMasterIdLst>
-    <p:handoutMasterId r:id="rId21"/>
+    <p:handoutMasterId r:id="rId22"/>
   </p:handoutMasterIdLst>
   <p:sldIdLst>
     <p:sldId id="447" r:id="rId2"/>
@@ -29,11 +29,12 @@
     <p:sldId id="497" r:id="rId17"/>
     <p:sldId id="498" r:id="rId18"/>
     <p:sldId id="499" r:id="rId19"/>
+    <p:sldId id="500" r:id="rId20"/>
   </p:sldIdLst>
   <p:sldSz cx="9144000" cy="6858000" type="screen4x3"/>
   <p:notesSz cx="7315200" cy="9601200"/>
   <p:custDataLst>
-    <p:tags r:id="rId22"/>
+    <p:tags r:id="rId23"/>
   </p:custDataLst>
   <p:defaultTextStyle>
     <a:defPPr>
@@ -1033,7 +1034,7 @@
             <a:fld id="{E4886CB5-510A-4EF6-9466-BC7A8F0DDE87}" type="datetime1">
               <a:rPr lang="en-US" smtClean="0"/>
               <a:pPr/>
-              <a:t>4/29/21</a:t>
+              <a:t>5/4/21</a:t>
             </a:fld>
             <a:endParaRPr lang="en-US"/>
           </a:p>
@@ -1393,7 +1394,7 @@
             <a:fld id="{9B297853-24B4-4D05-83E4-0AD2E86C55E5}" type="datetime1">
               <a:rPr lang="en-US" smtClean="0"/>
               <a:pPr/>
-              <a:t>4/29/21</a:t>
+              <a:t>5/4/21</a:t>
             </a:fld>
             <a:endParaRPr lang="en-US"/>
           </a:p>
@@ -1569,7 +1570,7 @@
             <a:fld id="{01FCDD9E-5768-4705-9537-0C020B1BB310}" type="datetime1">
               <a:rPr lang="en-US" smtClean="0"/>
               <a:pPr/>
-              <a:t>4/29/21</a:t>
+              <a:t>5/4/21</a:t>
             </a:fld>
             <a:endParaRPr lang="en-US"/>
           </a:p>
@@ -1805,7 +1806,7 @@
             <a:fld id="{4257C27E-59C2-41CA-9776-94955CBEE440}" type="datetime1">
               <a:rPr lang="en-US" smtClean="0"/>
               <a:pPr/>
-              <a:t>4/29/21</a:t>
+              <a:t>5/4/21</a:t>
             </a:fld>
             <a:endParaRPr lang="en-US"/>
           </a:p>
@@ -2091,7 +2092,7 @@
             <a:fld id="{03180747-A137-49C6-9C74-AB7EE86F4904}" type="datetime1">
               <a:rPr lang="en-US" smtClean="0"/>
               <a:pPr/>
-              <a:t>4/29/21</a:t>
+              <a:t>5/4/21</a:t>
             </a:fld>
             <a:endParaRPr lang="en-US"/>
           </a:p>
@@ -2312,7 +2313,7 @@
             <a:fld id="{EBBA31D9-ADC1-480D-86A8-1EAFB6A86A35}" type="datetime1">
               <a:rPr lang="en-US" smtClean="0"/>
               <a:pPr/>
-              <a:t>4/29/21</a:t>
+              <a:t>5/4/21</a:t>
             </a:fld>
             <a:endParaRPr lang="en-US"/>
           </a:p>
@@ -2665,7 +2666,7 @@
             <a:fld id="{80AAE9AE-3B2F-4DEA-8C41-BDDF4CDF6F40}" type="datetime1">
               <a:rPr lang="en-US" smtClean="0"/>
               <a:pPr/>
-              <a:t>4/29/21</a:t>
+              <a:t>5/4/21</a:t>
             </a:fld>
             <a:endParaRPr lang="en-US"/>
           </a:p>
@@ -2898,7 +2899,7 @@
             <a:fld id="{48252F7F-E8FE-413B-8521-D4ED924C6DE5}" type="datetime1">
               <a:rPr lang="en-US" smtClean="0"/>
               <a:pPr/>
-              <a:t>4/29/21</a:t>
+              <a:t>5/4/21</a:t>
             </a:fld>
             <a:endParaRPr lang="en-US"/>
           </a:p>
@@ -3040,7 +3041,7 @@
             <a:fld id="{2FF1B124-70E3-4E4A-90E2-6B55DB7659B3}" type="datetime1">
               <a:rPr lang="en-US" smtClean="0"/>
               <a:pPr/>
-              <a:t>4/29/21</a:t>
+              <a:t>5/4/21</a:t>
             </a:fld>
             <a:endParaRPr lang="en-US"/>
           </a:p>
@@ -3318,7 +3319,7 @@
             <a:fld id="{4EBF4C98-3CD6-4C87-BD40-5718C2628835}" type="datetime1">
               <a:rPr lang="en-US" smtClean="0"/>
               <a:pPr/>
-              <a:t>4/29/21</a:t>
+              <a:t>5/4/21</a:t>
             </a:fld>
             <a:endParaRPr lang="en-US"/>
           </a:p>
@@ -3726,7 +3727,7 @@
             <a:fld id="{6D6408A8-6B1B-4CDA-875E-7BEECDBA31DF}" type="datetime1">
               <a:rPr lang="en-US" smtClean="0"/>
               <a:pPr/>
-              <a:t>4/29/21</a:t>
+              <a:t>5/4/21</a:t>
             </a:fld>
             <a:endParaRPr lang="en-US"/>
           </a:p>
@@ -4064,7 +4065,7 @@
             <a:fld id="{C55AAF07-D2F5-4B3C-B443-40DE8C337A77}" type="datetime1">
               <a:rPr lang="en-US" smtClean="0"/>
               <a:pPr/>
-              <a:t>4/29/21</a:t>
+              <a:t>5/4/21</a:t>
             </a:fld>
             <a:endParaRPr lang="en-US"/>
           </a:p>
@@ -6294,6 +6295,196 @@
 </p:sld>
 </file>
 
+<file path=ppt/slides/slide19.xml><?xml version="1.0" encoding="utf-8"?>
+<p:sld xmlns:a="http://schemas.openxmlformats.org/drawingml/2006/main" xmlns:r="http://schemas.openxmlformats.org/officeDocument/2006/relationships" xmlns:p="http://schemas.openxmlformats.org/presentationml/2006/main">
+  <p:cSld>
+    <p:spTree>
+      <p:nvGrpSpPr>
+        <p:cNvPr id="1" name=""/>
+        <p:cNvGrpSpPr/>
+        <p:nvPr/>
+      </p:nvGrpSpPr>
+      <p:grpSpPr>
+        <a:xfrm>
+          <a:off x="0" y="0"/>
+          <a:ext cx="0" cy="0"/>
+          <a:chOff x="0" y="0"/>
+          <a:chExt cx="0" cy="0"/>
+        </a:xfrm>
+      </p:grpSpPr>
+      <p:sp>
+        <p:nvSpPr>
+          <p:cNvPr id="6146" name="Rectangle 2"/>
+          <p:cNvSpPr>
+            <a:spLocks noGrp="1" noChangeArrowheads="1"/>
+          </p:cNvSpPr>
+          <p:nvPr>
+            <p:ph type="title"/>
+            <p:custDataLst>
+              <p:tags r:id="rId1"/>
+            </p:custDataLst>
+          </p:nvPr>
+        </p:nvSpPr>
+        <p:spPr/>
+        <p:txBody>
+          <a:bodyPr/>
+          <a:lstStyle/>
+          <a:p>
+            <a:r>
+              <a:rPr lang="en-US" dirty="0"/>
+              <a:t>Tuesday, May 4</a:t>
+            </a:r>
+          </a:p>
+        </p:txBody>
+      </p:sp>
+      <p:sp>
+        <p:nvSpPr>
+          <p:cNvPr id="6147" name="Rectangle 3"/>
+          <p:cNvSpPr>
+            <a:spLocks noGrp="1" noChangeArrowheads="1"/>
+          </p:cNvSpPr>
+          <p:nvPr>
+            <p:ph sz="quarter" idx="1"/>
+            <p:custDataLst>
+              <p:tags r:id="rId2"/>
+            </p:custDataLst>
+          </p:nvPr>
+        </p:nvSpPr>
+        <p:spPr>
+          <a:xfrm>
+            <a:off x="381000" y="1371600"/>
+            <a:ext cx="8255000" cy="5105400"/>
+          </a:xfrm>
+        </p:spPr>
+        <p:txBody>
+          <a:bodyPr>
+            <a:normAutofit/>
+          </a:bodyPr>
+          <a:lstStyle/>
+          <a:p>
+            <a:r>
+              <a:rPr lang="en-US" dirty="0"/>
+              <a:t>Ticket to Ride competition happening very soon!</a:t>
+            </a:r>
+          </a:p>
+          <a:p>
+            <a:pPr lvl="1"/>
+            <a:r>
+              <a:rPr lang="en-US" dirty="0"/>
+              <a:t>We will talk about results / do the final four on Thursday</a:t>
+            </a:r>
+          </a:p>
+          <a:p>
+            <a:r>
+              <a:rPr lang="en-US" dirty="0"/>
+              <a:t>One more quizzes this week.</a:t>
+            </a:r>
+          </a:p>
+          <a:p>
+            <a:pPr lvl="1"/>
+            <a:r>
+              <a:rPr lang="en-US" dirty="0"/>
+              <a:t>Machine learning attempt 1</a:t>
+            </a:r>
+          </a:p>
+          <a:p>
+            <a:pPr lvl="1"/>
+            <a:r>
+              <a:rPr lang="en-US" dirty="0"/>
+              <a:t>Covers material from last Thursday and today only!</a:t>
+            </a:r>
+          </a:p>
+          <a:p>
+            <a:r>
+              <a:rPr lang="en-US" dirty="0"/>
+              <a:t>Recommended schedule is up on course website now!</a:t>
+            </a:r>
+          </a:p>
+          <a:p>
+            <a:pPr lvl="1"/>
+            <a:r>
+              <a:rPr lang="en-US" dirty="0"/>
+              <a:t>HW5 was canceled…just not enough time to warrant it </a:t>
+            </a:r>
+            <a:r>
+              <a:rPr lang="en-US" dirty="0">
+                <a:sym typeface="Wingdings" pitchFamily="2" charset="2"/>
+              </a:rPr>
+              <a:t></a:t>
+            </a:r>
+          </a:p>
+          <a:p>
+            <a:pPr lvl="1"/>
+            <a:r>
+              <a:rPr lang="en-US" dirty="0">
+                <a:sym typeface="Wingdings" pitchFamily="2" charset="2"/>
+              </a:rPr>
+              <a:t>HW 3 and 4 due Thursday night at midnight.</a:t>
+            </a:r>
+          </a:p>
+          <a:p>
+            <a:pPr lvl="1"/>
+            <a:r>
+              <a:rPr lang="en-US" dirty="0">
+                <a:sym typeface="Wingdings" pitchFamily="2" charset="2"/>
+              </a:rPr>
+              <a:t>Final exam will be one quiz retake per module (only modules that have a quiz). If you’ve passed your quizzes already then no need to take!</a:t>
+            </a:r>
+            <a:endParaRPr lang="en-US" dirty="0"/>
+          </a:p>
+          <a:p>
+            <a:r>
+              <a:rPr lang="en-US" dirty="0"/>
+              <a:t>Today we will discuss naïve </a:t>
+            </a:r>
+            <a:r>
+              <a:rPr lang="en-US" dirty="0" err="1"/>
+              <a:t>bayes</a:t>
+            </a:r>
+            <a:r>
+              <a:rPr lang="en-US" dirty="0"/>
+              <a:t> classifiers</a:t>
+            </a:r>
+          </a:p>
+        </p:txBody>
+      </p:sp>
+      <p:sp>
+        <p:nvSpPr>
+          <p:cNvPr id="4" name="Slide Number Placeholder 3"/>
+          <p:cNvSpPr>
+            <a:spLocks noGrp="1"/>
+          </p:cNvSpPr>
+          <p:nvPr>
+            <p:ph type="sldNum" sz="quarter" idx="12"/>
+          </p:nvPr>
+        </p:nvSpPr>
+        <p:spPr/>
+        <p:txBody>
+          <a:bodyPr/>
+          <a:lstStyle/>
+          <a:p>
+            <a:fld id="{F26D9103-0C5C-48AC-B68E-3ED2C1647047}" type="slidenum">
+              <a:rPr lang="en-US" smtClean="0"/>
+              <a:pPr/>
+              <a:t>19</a:t>
+            </a:fld>
+            <a:endParaRPr lang="en-US" dirty="0"/>
+          </a:p>
+        </p:txBody>
+      </p:sp>
+    </p:spTree>
+    <p:extLst>
+      <p:ext uri="{BB962C8B-B14F-4D97-AF65-F5344CB8AC3E}">
+        <p14:creationId xmlns:p14="http://schemas.microsoft.com/office/powerpoint/2010/main" val="3406126960"/>
+      </p:ext>
+    </p:extLst>
+  </p:cSld>
+  <p:clrMapOvr>
+    <a:masterClrMapping/>
+  </p:clrMapOvr>
+</p:sld>
+</file>
+
 <file path=ppt/slides/slide2.xml><?xml version="1.0" encoding="utf-8"?>
 <p:sld xmlns:a="http://schemas.openxmlformats.org/drawingml/2006/main" xmlns:r="http://schemas.openxmlformats.org/officeDocument/2006/relationships" xmlns:p="http://schemas.openxmlformats.org/presentationml/2006/main">
   <p:cSld>
@@ -7910,6 +8101,18 @@
 </file>
 
 <file path=ppt/tags/tag33.xml><?xml version="1.0" encoding="utf-8"?>
+<p:tagLst xmlns:a="http://schemas.openxmlformats.org/drawingml/2006/main" xmlns:r="http://schemas.openxmlformats.org/officeDocument/2006/relationships" xmlns:p="http://schemas.openxmlformats.org/presentationml/2006/main">
+  <p:tag name="_INSTRUCTOR VIEW19C14C36-AC8E-43BC-9DB6-C2AAF774C7DC|PANE__TAG" val="_"/>
+</p:tagLst>
+</file>
+
+<file path=ppt/tags/tag34.xml><?xml version="1.0" encoding="utf-8"?>
+<p:tagLst xmlns:a="http://schemas.openxmlformats.org/drawingml/2006/main" xmlns:r="http://schemas.openxmlformats.org/officeDocument/2006/relationships" xmlns:p="http://schemas.openxmlformats.org/presentationml/2006/main">
+  <p:tag name="_INSTRUCTOR VIEW19C14C36-AC8E-43BC-9DB6-C2AAF774C7DC|PANE__TAG" val="_"/>
+</p:tagLst>
+</file>
+
+<file path=ppt/tags/tag35.xml><?xml version="1.0" encoding="utf-8"?>
 <p:tagLst xmlns:a="http://schemas.openxmlformats.org/drawingml/2006/main" xmlns:r="http://schemas.openxmlformats.org/officeDocument/2006/relationships" xmlns:p="http://schemas.openxmlformats.org/presentationml/2006/main">
   <p:tag name="_INSTRUCTOR VIEW19C14C36-AC8E-43BC-9DB6-C2AAF774C7DC|PANE__TAG" val="_"/>
 </p:tagLst>
